--- a/prototype.pptx
+++ b/prototype.pptx
@@ -6379,7 +6379,7 @@
                 </a:solidFill>
                 <a:cs typeface="B Nazanin" panose="00000400000000000000" pitchFamily="2" charset="-78"/>
               </a:rPr>
-              <a:t>نام صندوق</a:t>
+              <a:t>مشخصات</a:t>
             </a:r>
             <a:endParaRPr lang="en-US" sz="2000" dirty="0">
               <a:solidFill>
@@ -6638,7 +6638,7 @@
         <p:spPr>
           <a:xfrm>
             <a:off x="4209047" y="1627908"/>
-            <a:ext cx="3998492" cy="400110"/>
+            <a:ext cx="3998492" cy="707886"/>
           </a:xfrm>
           <a:prstGeom prst="rect">
             <a:avLst/>
@@ -6659,7 +6659,7 @@
                 </a:solidFill>
                 <a:cs typeface="B Nazanin" panose="00000400000000000000" pitchFamily="2" charset="-78"/>
               </a:rPr>
-              <a:t>نام صندوق انتخابی را وارد کنید:</a:t>
+              <a:t>نام صندوق انتخابی و شماره حساب (کارت) صندوق را وارد کنید:</a:t>
             </a:r>
             <a:endParaRPr lang="en-US" sz="2000" dirty="0">
               <a:solidFill>
@@ -6803,7 +6803,7 @@
         </p:nvSpPr>
         <p:spPr>
           <a:xfrm>
-            <a:off x="4307304" y="3064042"/>
+            <a:off x="4300731" y="2708942"/>
             <a:ext cx="3777917" cy="417095"/>
           </a:xfrm>
           <a:prstGeom prst="rect">
@@ -6858,8 +6858,8 @@
         </p:nvSpPr>
         <p:spPr>
           <a:xfrm>
-            <a:off x="4231106" y="4883512"/>
-            <a:ext cx="3998492" cy="400110"/>
+            <a:off x="4188994" y="4675624"/>
+            <a:ext cx="3998492" cy="707886"/>
           </a:xfrm>
           <a:prstGeom prst="rect">
             <a:avLst/>
@@ -6882,7 +6882,7 @@
                 </a:solidFill>
                 <a:cs typeface="B Nazanin" panose="00000400000000000000" pitchFamily="2" charset="-78"/>
               </a:rPr>
-              <a:t>نام صندوق تکراری است. نام دیگری انتخاب کنید</a:t>
+              <a:t>نام صندوق/شماره حساب/کارت تکراری است. نام دیگری انتخاب کنید</a:t>
             </a:r>
             <a:endParaRPr lang="en-US" sz="2000" dirty="0">
               <a:solidFill>
@@ -7260,13 +7260,123 @@
                 </a:solidFill>
                 <a:cs typeface="B Nazanin" panose="00000400000000000000" pitchFamily="2" charset="-78"/>
               </a:rPr>
-              <a:t>نام صندوق</a:t>
+              <a:t>مشخصات</a:t>
             </a:r>
             <a:endParaRPr lang="en-US" sz="2000" dirty="0">
               <a:solidFill>
                 <a:schemeClr val="bg1"/>
               </a:solidFill>
               <a:cs typeface="B Nazanin" panose="00000400000000000000" pitchFamily="2" charset="-78"/>
+            </a:endParaRPr>
+          </a:p>
+        </p:txBody>
+      </p:sp>
+      <p:sp>
+        <p:nvSpPr>
+          <p:cNvPr id="36" name="Rectangle 35"/>
+          <p:cNvSpPr/>
+          <p:nvPr/>
+        </p:nvSpPr>
+        <p:spPr>
+          <a:xfrm>
+            <a:off x="4288697" y="3254654"/>
+            <a:ext cx="3777917" cy="417095"/>
+          </a:xfrm>
+          <a:prstGeom prst="rect">
+            <a:avLst/>
+          </a:prstGeom>
+          <a:solidFill>
+            <a:schemeClr val="bg1"/>
+          </a:solidFill>
+        </p:spPr>
+        <p:style>
+          <a:lnRef idx="2">
+            <a:schemeClr val="accent1">
+              <a:shade val="50000"/>
+            </a:schemeClr>
+          </a:lnRef>
+          <a:fillRef idx="1">
+            <a:schemeClr val="accent1"/>
+          </a:fillRef>
+          <a:effectRef idx="0">
+            <a:schemeClr val="accent1"/>
+          </a:effectRef>
+          <a:fontRef idx="minor">
+            <a:schemeClr val="lt1"/>
+          </a:fontRef>
+        </p:style>
+        <p:txBody>
+          <a:bodyPr rtlCol="0" anchor="ctr"/>
+          <a:lstStyle/>
+          <a:p>
+            <a:pPr algn="ctr"/>
+            <a:r>
+              <a:rPr lang="fa-IR" dirty="0" smtClean="0">
+                <a:solidFill>
+                  <a:sysClr val="windowText" lastClr="000000"/>
+                </a:solidFill>
+              </a:rPr>
+              <a:t>شماره حساب</a:t>
+            </a:r>
+            <a:endParaRPr lang="en-US" dirty="0">
+              <a:solidFill>
+                <a:sysClr val="windowText" lastClr="000000"/>
+              </a:solidFill>
+            </a:endParaRPr>
+          </a:p>
+        </p:txBody>
+      </p:sp>
+      <p:sp>
+        <p:nvSpPr>
+          <p:cNvPr id="37" name="Rectangle 36"/>
+          <p:cNvSpPr/>
+          <p:nvPr/>
+        </p:nvSpPr>
+        <p:spPr>
+          <a:xfrm>
+            <a:off x="4300731" y="3836349"/>
+            <a:ext cx="3777917" cy="417095"/>
+          </a:xfrm>
+          <a:prstGeom prst="rect">
+            <a:avLst/>
+          </a:prstGeom>
+          <a:solidFill>
+            <a:schemeClr val="bg1"/>
+          </a:solidFill>
+        </p:spPr>
+        <p:style>
+          <a:lnRef idx="2">
+            <a:schemeClr val="accent1">
+              <a:shade val="50000"/>
+            </a:schemeClr>
+          </a:lnRef>
+          <a:fillRef idx="1">
+            <a:schemeClr val="accent1"/>
+          </a:fillRef>
+          <a:effectRef idx="0">
+            <a:schemeClr val="accent1"/>
+          </a:effectRef>
+          <a:fontRef idx="minor">
+            <a:schemeClr val="lt1"/>
+          </a:fontRef>
+        </p:style>
+        <p:txBody>
+          <a:bodyPr rtlCol="0" anchor="ctr"/>
+          <a:lstStyle/>
+          <a:p>
+            <a:pPr algn="ctr"/>
+            <a:r>
+              <a:rPr lang="fa-IR" dirty="0" smtClean="0">
+                <a:solidFill>
+                  <a:sysClr val="windowText" lastClr="000000"/>
+                </a:solidFill>
+              </a:rPr>
+              <a:t>شماره کارت</a:t>
+            </a:r>
+            <a:endParaRPr lang="en-US" dirty="0">
+              <a:solidFill>
+                <a:sysClr val="windowText" lastClr="000000"/>
+              </a:solidFill>
             </a:endParaRPr>
           </a:p>
         </p:txBody>
@@ -8516,7 +8626,7 @@
                 </a:solidFill>
                 <a:cs typeface="B Nazanin" panose="00000400000000000000" pitchFamily="2" charset="-78"/>
               </a:rPr>
-              <a:t>نام صندوق</a:t>
+              <a:t>مشخصات</a:t>
             </a:r>
             <a:endParaRPr lang="en-US" sz="2000" dirty="0">
               <a:solidFill>
@@ -9517,7 +9627,7 @@
                 </a:solidFill>
                 <a:cs typeface="B Nazanin" panose="00000400000000000000" pitchFamily="2" charset="-78"/>
               </a:rPr>
-              <a:t>نام صندوق</a:t>
+              <a:t>مشخصات</a:t>
             </a:r>
             <a:endParaRPr lang="en-US" sz="2000" dirty="0">
               <a:solidFill>

--- a/prototype.pptx
+++ b/prototype.pptx
@@ -5,7 +5,7 @@
     <p:sldMasterId id="2147483648" r:id="rId1"/>
   </p:sldMasterIdLst>
   <p:notesMasterIdLst>
-    <p:notesMasterId r:id="rId10"/>
+    <p:notesMasterId r:id="rId12"/>
   </p:notesMasterIdLst>
   <p:sldIdLst>
     <p:sldId id="256" r:id="rId2"/>
@@ -15,7 +15,9 @@
     <p:sldId id="265" r:id="rId6"/>
     <p:sldId id="262" r:id="rId7"/>
     <p:sldId id="263" r:id="rId8"/>
-    <p:sldId id="266" r:id="rId9"/>
+    <p:sldId id="268" r:id="rId9"/>
+    <p:sldId id="269" r:id="rId10"/>
+    <p:sldId id="267" r:id="rId11"/>
   </p:sldIdLst>
   <p:sldSz cx="12192000" cy="6858000"/>
   <p:notesSz cx="6858000" cy="9144000"/>
@@ -896,6 +898,258 @@
     <p:extLst>
       <p:ext uri="{BB962C8B-B14F-4D97-AF65-F5344CB8AC3E}">
         <p14:creationId xmlns:p14="http://schemas.microsoft.com/office/powerpoint/2010/main" val="3068579195"/>
+      </p:ext>
+    </p:extLst>
+  </p:cSld>
+  <p:clrMapOvr>
+    <a:masterClrMapping/>
+  </p:clrMapOvr>
+</p:notes>
+</file>
+
+<file path=ppt/notesSlides/notesSlide6.xml><?xml version="1.0" encoding="utf-8"?>
+<p:notes xmlns:a="http://schemas.openxmlformats.org/drawingml/2006/main" xmlns:r="http://schemas.openxmlformats.org/officeDocument/2006/relationships" xmlns:p="http://schemas.openxmlformats.org/presentationml/2006/main">
+  <p:cSld>
+    <p:spTree>
+      <p:nvGrpSpPr>
+        <p:cNvPr id="1" name=""/>
+        <p:cNvGrpSpPr/>
+        <p:nvPr/>
+      </p:nvGrpSpPr>
+      <p:grpSpPr>
+        <a:xfrm>
+          <a:off x="0" y="0"/>
+          <a:ext cx="0" cy="0"/>
+          <a:chOff x="0" y="0"/>
+          <a:chExt cx="0" cy="0"/>
+        </a:xfrm>
+      </p:grpSpPr>
+      <p:sp>
+        <p:nvSpPr>
+          <p:cNvPr id="2" name="Slide Image Placeholder 1"/>
+          <p:cNvSpPr>
+            <a:spLocks noGrp="1" noRot="1" noChangeAspect="1"/>
+          </p:cNvSpPr>
+          <p:nvPr>
+            <p:ph type="sldImg"/>
+          </p:nvPr>
+        </p:nvSpPr>
+        <p:spPr/>
+      </p:sp>
+      <p:sp>
+        <p:nvSpPr>
+          <p:cNvPr id="3" name="Notes Placeholder 2"/>
+          <p:cNvSpPr>
+            <a:spLocks noGrp="1"/>
+          </p:cNvSpPr>
+          <p:nvPr>
+            <p:ph type="body" idx="1"/>
+          </p:nvPr>
+        </p:nvSpPr>
+        <p:spPr/>
+        <p:txBody>
+          <a:bodyPr/>
+          <a:lstStyle/>
+          <a:p>
+            <a:endParaRPr lang="en-US" dirty="0"/>
+          </a:p>
+        </p:txBody>
+      </p:sp>
+      <p:sp>
+        <p:nvSpPr>
+          <p:cNvPr id="4" name="Slide Number Placeholder 3"/>
+          <p:cNvSpPr>
+            <a:spLocks noGrp="1"/>
+          </p:cNvSpPr>
+          <p:nvPr>
+            <p:ph type="sldNum" sz="quarter" idx="10"/>
+          </p:nvPr>
+        </p:nvSpPr>
+        <p:spPr/>
+        <p:txBody>
+          <a:bodyPr/>
+          <a:lstStyle/>
+          <a:p>
+            <a:fld id="{6014D40E-1B0A-4D26-B80D-BFB682988276}" type="slidenum">
+              <a:rPr lang="en-US" smtClean="0"/>
+              <a:t>8</a:t>
+            </a:fld>
+            <a:endParaRPr lang="en-US"/>
+          </a:p>
+        </p:txBody>
+      </p:sp>
+    </p:spTree>
+    <p:extLst>
+      <p:ext uri="{BB962C8B-B14F-4D97-AF65-F5344CB8AC3E}">
+        <p14:creationId xmlns:p14="http://schemas.microsoft.com/office/powerpoint/2010/main" val="55291662"/>
+      </p:ext>
+    </p:extLst>
+  </p:cSld>
+  <p:clrMapOvr>
+    <a:masterClrMapping/>
+  </p:clrMapOvr>
+</p:notes>
+</file>
+
+<file path=ppt/notesSlides/notesSlide7.xml><?xml version="1.0" encoding="utf-8"?>
+<p:notes xmlns:a="http://schemas.openxmlformats.org/drawingml/2006/main" xmlns:r="http://schemas.openxmlformats.org/officeDocument/2006/relationships" xmlns:p="http://schemas.openxmlformats.org/presentationml/2006/main">
+  <p:cSld>
+    <p:spTree>
+      <p:nvGrpSpPr>
+        <p:cNvPr id="1" name=""/>
+        <p:cNvGrpSpPr/>
+        <p:nvPr/>
+      </p:nvGrpSpPr>
+      <p:grpSpPr>
+        <a:xfrm>
+          <a:off x="0" y="0"/>
+          <a:ext cx="0" cy="0"/>
+          <a:chOff x="0" y="0"/>
+          <a:chExt cx="0" cy="0"/>
+        </a:xfrm>
+      </p:grpSpPr>
+      <p:sp>
+        <p:nvSpPr>
+          <p:cNvPr id="2" name="Slide Image Placeholder 1"/>
+          <p:cNvSpPr>
+            <a:spLocks noGrp="1" noRot="1" noChangeAspect="1"/>
+          </p:cNvSpPr>
+          <p:nvPr>
+            <p:ph type="sldImg"/>
+          </p:nvPr>
+        </p:nvSpPr>
+        <p:spPr/>
+      </p:sp>
+      <p:sp>
+        <p:nvSpPr>
+          <p:cNvPr id="3" name="Notes Placeholder 2"/>
+          <p:cNvSpPr>
+            <a:spLocks noGrp="1"/>
+          </p:cNvSpPr>
+          <p:nvPr>
+            <p:ph type="body" idx="1"/>
+          </p:nvPr>
+        </p:nvSpPr>
+        <p:spPr/>
+        <p:txBody>
+          <a:bodyPr/>
+          <a:lstStyle/>
+          <a:p>
+            <a:endParaRPr lang="en-US" dirty="0"/>
+          </a:p>
+        </p:txBody>
+      </p:sp>
+      <p:sp>
+        <p:nvSpPr>
+          <p:cNvPr id="4" name="Slide Number Placeholder 3"/>
+          <p:cNvSpPr>
+            <a:spLocks noGrp="1"/>
+          </p:cNvSpPr>
+          <p:nvPr>
+            <p:ph type="sldNum" sz="quarter" idx="10"/>
+          </p:nvPr>
+        </p:nvSpPr>
+        <p:spPr/>
+        <p:txBody>
+          <a:bodyPr/>
+          <a:lstStyle/>
+          <a:p>
+            <a:fld id="{6014D40E-1B0A-4D26-B80D-BFB682988276}" type="slidenum">
+              <a:rPr lang="en-US" smtClean="0"/>
+              <a:t>9</a:t>
+            </a:fld>
+            <a:endParaRPr lang="en-US"/>
+          </a:p>
+        </p:txBody>
+      </p:sp>
+    </p:spTree>
+    <p:extLst>
+      <p:ext uri="{BB962C8B-B14F-4D97-AF65-F5344CB8AC3E}">
+        <p14:creationId xmlns:p14="http://schemas.microsoft.com/office/powerpoint/2010/main" val="1365960799"/>
+      </p:ext>
+    </p:extLst>
+  </p:cSld>
+  <p:clrMapOvr>
+    <a:masterClrMapping/>
+  </p:clrMapOvr>
+</p:notes>
+</file>
+
+<file path=ppt/notesSlides/notesSlide8.xml><?xml version="1.0" encoding="utf-8"?>
+<p:notes xmlns:a="http://schemas.openxmlformats.org/drawingml/2006/main" xmlns:r="http://schemas.openxmlformats.org/officeDocument/2006/relationships" xmlns:p="http://schemas.openxmlformats.org/presentationml/2006/main">
+  <p:cSld>
+    <p:spTree>
+      <p:nvGrpSpPr>
+        <p:cNvPr id="1" name=""/>
+        <p:cNvGrpSpPr/>
+        <p:nvPr/>
+      </p:nvGrpSpPr>
+      <p:grpSpPr>
+        <a:xfrm>
+          <a:off x="0" y="0"/>
+          <a:ext cx="0" cy="0"/>
+          <a:chOff x="0" y="0"/>
+          <a:chExt cx="0" cy="0"/>
+        </a:xfrm>
+      </p:grpSpPr>
+      <p:sp>
+        <p:nvSpPr>
+          <p:cNvPr id="2" name="Slide Image Placeholder 1"/>
+          <p:cNvSpPr>
+            <a:spLocks noGrp="1" noRot="1" noChangeAspect="1"/>
+          </p:cNvSpPr>
+          <p:nvPr>
+            <p:ph type="sldImg"/>
+          </p:nvPr>
+        </p:nvSpPr>
+        <p:spPr/>
+      </p:sp>
+      <p:sp>
+        <p:nvSpPr>
+          <p:cNvPr id="3" name="Notes Placeholder 2"/>
+          <p:cNvSpPr>
+            <a:spLocks noGrp="1"/>
+          </p:cNvSpPr>
+          <p:nvPr>
+            <p:ph type="body" idx="1"/>
+          </p:nvPr>
+        </p:nvSpPr>
+        <p:spPr/>
+        <p:txBody>
+          <a:bodyPr/>
+          <a:lstStyle/>
+          <a:p>
+            <a:endParaRPr lang="en-US" dirty="0"/>
+          </a:p>
+        </p:txBody>
+      </p:sp>
+      <p:sp>
+        <p:nvSpPr>
+          <p:cNvPr id="4" name="Slide Number Placeholder 3"/>
+          <p:cNvSpPr>
+            <a:spLocks noGrp="1"/>
+          </p:cNvSpPr>
+          <p:nvPr>
+            <p:ph type="sldNum" sz="quarter" idx="10"/>
+          </p:nvPr>
+        </p:nvSpPr>
+        <p:spPr/>
+        <p:txBody>
+          <a:bodyPr/>
+          <a:lstStyle/>
+          <a:p>
+            <a:fld id="{6014D40E-1B0A-4D26-B80D-BFB682988276}" type="slidenum">
+              <a:rPr lang="en-US" smtClean="0"/>
+              <a:t>10</a:t>
+            </a:fld>
+            <a:endParaRPr lang="en-US"/>
+          </a:p>
+        </p:txBody>
+      </p:sp>
+    </p:spTree>
+    <p:extLst>
+      <p:ext uri="{BB962C8B-B14F-4D97-AF65-F5344CB8AC3E}">
+        <p14:creationId xmlns:p14="http://schemas.microsoft.com/office/powerpoint/2010/main" val="2178377568"/>
       </p:ext>
     </p:extLst>
   </p:cSld>
@@ -4243,6 +4497,629 @@
 </p:sld>
 </file>
 
+<file path=ppt/slides/slide10.xml><?xml version="1.0" encoding="utf-8"?>
+<p:sld xmlns:a="http://schemas.openxmlformats.org/drawingml/2006/main" xmlns:r="http://schemas.openxmlformats.org/officeDocument/2006/relationships" xmlns:p="http://schemas.openxmlformats.org/presentationml/2006/main">
+  <p:cSld>
+    <p:spTree>
+      <p:nvGrpSpPr>
+        <p:cNvPr id="1" name=""/>
+        <p:cNvGrpSpPr/>
+        <p:nvPr/>
+      </p:nvGrpSpPr>
+      <p:grpSpPr>
+        <a:xfrm>
+          <a:off x="0" y="0"/>
+          <a:ext cx="0" cy="0"/>
+          <a:chOff x="0" y="0"/>
+          <a:chExt cx="0" cy="0"/>
+        </a:xfrm>
+      </p:grpSpPr>
+      <p:sp>
+        <p:nvSpPr>
+          <p:cNvPr id="8" name="Rectangle 7"/>
+          <p:cNvSpPr/>
+          <p:nvPr/>
+        </p:nvSpPr>
+        <p:spPr>
+          <a:xfrm>
+            <a:off x="3866147" y="0"/>
+            <a:ext cx="4684295" cy="6858000"/>
+          </a:xfrm>
+          <a:prstGeom prst="rect">
+            <a:avLst/>
+          </a:prstGeom>
+        </p:spPr>
+        <p:style>
+          <a:lnRef idx="2">
+            <a:schemeClr val="accent1">
+              <a:shade val="50000"/>
+            </a:schemeClr>
+          </a:lnRef>
+          <a:fillRef idx="1">
+            <a:schemeClr val="accent1"/>
+          </a:fillRef>
+          <a:effectRef idx="0">
+            <a:schemeClr val="accent1"/>
+          </a:effectRef>
+          <a:fontRef idx="minor">
+            <a:schemeClr val="lt1"/>
+          </a:fontRef>
+        </p:style>
+        <p:txBody>
+          <a:bodyPr rtlCol="0" anchor="ctr"/>
+          <a:lstStyle/>
+          <a:p>
+            <a:pPr algn="ctr"/>
+            <a:endParaRPr lang="en-US" dirty="0"/>
+          </a:p>
+        </p:txBody>
+      </p:sp>
+      <p:sp>
+        <p:nvSpPr>
+          <p:cNvPr id="9" name="Rectangle 8"/>
+          <p:cNvSpPr/>
+          <p:nvPr/>
+        </p:nvSpPr>
+        <p:spPr>
+          <a:xfrm>
+            <a:off x="3866146" y="0"/>
+            <a:ext cx="4684295" cy="1010653"/>
+          </a:xfrm>
+          <a:prstGeom prst="rect">
+            <a:avLst/>
+          </a:prstGeom>
+          <a:solidFill>
+            <a:schemeClr val="accent3">
+              <a:lumMod val="20000"/>
+              <a:lumOff val="80000"/>
+            </a:schemeClr>
+          </a:solidFill>
+        </p:spPr>
+        <p:style>
+          <a:lnRef idx="2">
+            <a:schemeClr val="accent1">
+              <a:shade val="50000"/>
+            </a:schemeClr>
+          </a:lnRef>
+          <a:fillRef idx="1">
+            <a:schemeClr val="accent1"/>
+          </a:fillRef>
+          <a:effectRef idx="0">
+            <a:schemeClr val="accent1"/>
+          </a:effectRef>
+          <a:fontRef idx="minor">
+            <a:schemeClr val="lt1"/>
+          </a:fontRef>
+        </p:style>
+        <p:txBody>
+          <a:bodyPr rtlCol="0" anchor="ctr"/>
+          <a:lstStyle/>
+          <a:p>
+            <a:pPr algn="ctr"/>
+            <a:r>
+              <a:rPr lang="fa-IR" sz="2000" b="1" dirty="0" smtClean="0">
+                <a:solidFill>
+                  <a:schemeClr val="tx1"/>
+                </a:solidFill>
+                <a:cs typeface="B Nazanin" panose="00000400000000000000" pitchFamily="2" charset="-78"/>
+              </a:rPr>
+              <a:t>صندوق 2</a:t>
+            </a:r>
+            <a:endParaRPr lang="en-US" sz="2000" b="1" dirty="0">
+              <a:solidFill>
+                <a:schemeClr val="tx1"/>
+              </a:solidFill>
+              <a:cs typeface="B Nazanin" panose="00000400000000000000" pitchFamily="2" charset="-78"/>
+            </a:endParaRPr>
+          </a:p>
+        </p:txBody>
+      </p:sp>
+      <p:sp>
+        <p:nvSpPr>
+          <p:cNvPr id="3" name="Rectangle 2"/>
+          <p:cNvSpPr/>
+          <p:nvPr/>
+        </p:nvSpPr>
+        <p:spPr>
+          <a:xfrm>
+            <a:off x="3874168" y="5109408"/>
+            <a:ext cx="4684295" cy="449179"/>
+          </a:xfrm>
+          <a:prstGeom prst="rect">
+            <a:avLst/>
+          </a:prstGeom>
+          <a:solidFill>
+            <a:schemeClr val="bg2">
+              <a:lumMod val="90000"/>
+            </a:schemeClr>
+          </a:solidFill>
+          <a:ln>
+            <a:solidFill>
+              <a:schemeClr val="accent2">
+                <a:lumMod val="50000"/>
+              </a:schemeClr>
+            </a:solidFill>
+          </a:ln>
+        </p:spPr>
+        <p:style>
+          <a:lnRef idx="2">
+            <a:schemeClr val="accent1">
+              <a:shade val="50000"/>
+            </a:schemeClr>
+          </a:lnRef>
+          <a:fillRef idx="1">
+            <a:schemeClr val="accent1"/>
+          </a:fillRef>
+          <a:effectRef idx="0">
+            <a:schemeClr val="accent1"/>
+          </a:effectRef>
+          <a:fontRef idx="minor">
+            <a:schemeClr val="lt1"/>
+          </a:fontRef>
+        </p:style>
+        <p:txBody>
+          <a:bodyPr rtlCol="0" anchor="ctr"/>
+          <a:lstStyle/>
+          <a:p>
+            <a:pPr algn="ctr"/>
+            <a:r>
+              <a:rPr lang="fa-IR" sz="2000" dirty="0" smtClean="0">
+                <a:solidFill>
+                  <a:schemeClr val="tx1"/>
+                </a:solidFill>
+                <a:cs typeface="B Nazanin" panose="00000400000000000000" pitchFamily="2" charset="-78"/>
+              </a:rPr>
+              <a:t>اعضا</a:t>
+            </a:r>
+            <a:endParaRPr lang="en-US" sz="2000" dirty="0">
+              <a:solidFill>
+                <a:schemeClr val="tx1"/>
+              </a:solidFill>
+              <a:cs typeface="B Nazanin" panose="00000400000000000000" pitchFamily="2" charset="-78"/>
+            </a:endParaRPr>
+          </a:p>
+        </p:txBody>
+      </p:sp>
+      <p:sp>
+        <p:nvSpPr>
+          <p:cNvPr id="30" name="Rectangle 29"/>
+          <p:cNvSpPr/>
+          <p:nvPr/>
+        </p:nvSpPr>
+        <p:spPr>
+          <a:xfrm>
+            <a:off x="3874168" y="5558587"/>
+            <a:ext cx="4684295" cy="449179"/>
+          </a:xfrm>
+          <a:prstGeom prst="rect">
+            <a:avLst/>
+          </a:prstGeom>
+          <a:solidFill>
+            <a:schemeClr val="bg2">
+              <a:lumMod val="90000"/>
+            </a:schemeClr>
+          </a:solidFill>
+          <a:ln>
+            <a:solidFill>
+              <a:schemeClr val="accent2">
+                <a:lumMod val="50000"/>
+              </a:schemeClr>
+            </a:solidFill>
+          </a:ln>
+        </p:spPr>
+        <p:style>
+          <a:lnRef idx="2">
+            <a:schemeClr val="accent1">
+              <a:shade val="50000"/>
+            </a:schemeClr>
+          </a:lnRef>
+          <a:fillRef idx="1">
+            <a:schemeClr val="accent1"/>
+          </a:fillRef>
+          <a:effectRef idx="0">
+            <a:schemeClr val="accent1"/>
+          </a:effectRef>
+          <a:fontRef idx="minor">
+            <a:schemeClr val="lt1"/>
+          </a:fontRef>
+        </p:style>
+        <p:txBody>
+          <a:bodyPr rtlCol="0" anchor="ctr"/>
+          <a:lstStyle/>
+          <a:p>
+            <a:pPr algn="ctr"/>
+            <a:r>
+              <a:rPr lang="fa-IR" sz="2000" dirty="0" smtClean="0">
+                <a:solidFill>
+                  <a:schemeClr val="tx1"/>
+                </a:solidFill>
+                <a:cs typeface="B Nazanin" panose="00000400000000000000" pitchFamily="2" charset="-78"/>
+              </a:rPr>
+              <a:t>مبلغ وام هایی که دست اعضا هست</a:t>
+            </a:r>
+            <a:endParaRPr lang="en-US" sz="2000" dirty="0">
+              <a:solidFill>
+                <a:schemeClr val="tx1"/>
+              </a:solidFill>
+              <a:cs typeface="B Nazanin" panose="00000400000000000000" pitchFamily="2" charset="-78"/>
+            </a:endParaRPr>
+          </a:p>
+        </p:txBody>
+      </p:sp>
+      <p:sp>
+        <p:nvSpPr>
+          <p:cNvPr id="31" name="Rectangle 30"/>
+          <p:cNvSpPr/>
+          <p:nvPr/>
+        </p:nvSpPr>
+        <p:spPr>
+          <a:xfrm>
+            <a:off x="3874168" y="6007766"/>
+            <a:ext cx="4684295" cy="449179"/>
+          </a:xfrm>
+          <a:prstGeom prst="rect">
+            <a:avLst/>
+          </a:prstGeom>
+          <a:solidFill>
+            <a:schemeClr val="bg2">
+              <a:lumMod val="90000"/>
+            </a:schemeClr>
+          </a:solidFill>
+          <a:ln>
+            <a:solidFill>
+              <a:schemeClr val="accent2">
+                <a:lumMod val="50000"/>
+              </a:schemeClr>
+            </a:solidFill>
+          </a:ln>
+        </p:spPr>
+        <p:style>
+          <a:lnRef idx="2">
+            <a:schemeClr val="accent1">
+              <a:shade val="50000"/>
+            </a:schemeClr>
+          </a:lnRef>
+          <a:fillRef idx="1">
+            <a:schemeClr val="accent1"/>
+          </a:fillRef>
+          <a:effectRef idx="0">
+            <a:schemeClr val="accent1"/>
+          </a:effectRef>
+          <a:fontRef idx="minor">
+            <a:schemeClr val="lt1"/>
+          </a:fontRef>
+        </p:style>
+        <p:txBody>
+          <a:bodyPr rtlCol="0" anchor="ctr"/>
+          <a:lstStyle/>
+          <a:p>
+            <a:pPr algn="ctr"/>
+            <a:r>
+              <a:rPr lang="fa-IR" sz="2000" dirty="0" smtClean="0">
+                <a:solidFill>
+                  <a:schemeClr val="tx1"/>
+                </a:solidFill>
+                <a:cs typeface="B Nazanin" panose="00000400000000000000" pitchFamily="2" charset="-78"/>
+              </a:rPr>
+              <a:t>گزارش (سابقه)</a:t>
+            </a:r>
+            <a:endParaRPr lang="en-US" sz="2000" dirty="0">
+              <a:solidFill>
+                <a:schemeClr val="tx1"/>
+              </a:solidFill>
+              <a:cs typeface="B Nazanin" panose="00000400000000000000" pitchFamily="2" charset="-78"/>
+            </a:endParaRPr>
+          </a:p>
+        </p:txBody>
+      </p:sp>
+      <p:sp>
+        <p:nvSpPr>
+          <p:cNvPr id="32" name="TextBox 31"/>
+          <p:cNvSpPr txBox="1"/>
+          <p:nvPr/>
+        </p:nvSpPr>
+        <p:spPr>
+          <a:xfrm>
+            <a:off x="4042611" y="1627908"/>
+            <a:ext cx="4164928" cy="2554545"/>
+          </a:xfrm>
+          <a:prstGeom prst="rect">
+            <a:avLst/>
+          </a:prstGeom>
+          <a:noFill/>
+        </p:spPr>
+        <p:txBody>
+          <a:bodyPr wrap="square" rtlCol="0">
+            <a:spAutoFit/>
+          </a:bodyPr>
+          <a:lstStyle/>
+          <a:p>
+            <a:pPr algn="ctr"/>
+            <a:r>
+              <a:rPr lang="fa-IR" sz="2000" dirty="0" smtClean="0">
+                <a:solidFill>
+                  <a:schemeClr val="bg1"/>
+                </a:solidFill>
+                <a:cs typeface="B Nazanin" panose="00000400000000000000" pitchFamily="2" charset="-78"/>
+              </a:rPr>
+              <a:t>شماره حساب: 123456789</a:t>
+            </a:r>
+          </a:p>
+          <a:p>
+            <a:pPr algn="ctr"/>
+            <a:r>
+              <a:rPr lang="fa-IR" sz="2000" dirty="0" smtClean="0">
+                <a:solidFill>
+                  <a:schemeClr val="bg1"/>
+                </a:solidFill>
+                <a:cs typeface="B Nazanin" panose="00000400000000000000" pitchFamily="2" charset="-78"/>
+              </a:rPr>
+              <a:t>شماره کارت: 123456789</a:t>
+            </a:r>
+          </a:p>
+          <a:p>
+            <a:pPr algn="ctr"/>
+            <a:r>
+              <a:rPr lang="fa-IR" sz="2000" dirty="0" smtClean="0">
+                <a:solidFill>
+                  <a:schemeClr val="bg1"/>
+                </a:solidFill>
+                <a:cs typeface="B Nazanin" panose="00000400000000000000" pitchFamily="2" charset="-78"/>
+              </a:rPr>
+              <a:t>تعداد اعضا:   3 نفر</a:t>
+            </a:r>
+          </a:p>
+          <a:p>
+            <a:pPr algn="ctr"/>
+            <a:r>
+              <a:rPr lang="fa-IR" sz="2000" dirty="0" smtClean="0">
+                <a:solidFill>
+                  <a:schemeClr val="bg1"/>
+                </a:solidFill>
+                <a:cs typeface="B Nazanin" panose="00000400000000000000" pitchFamily="2" charset="-78"/>
+              </a:rPr>
+              <a:t>مدت دوره:  هرماه</a:t>
+            </a:r>
+          </a:p>
+          <a:p>
+            <a:pPr algn="ctr"/>
+            <a:r>
+              <a:rPr lang="fa-IR" sz="2000" dirty="0" smtClean="0">
+                <a:solidFill>
+                  <a:schemeClr val="bg1"/>
+                </a:solidFill>
+                <a:cs typeface="B Nazanin" panose="00000400000000000000" pitchFamily="2" charset="-78"/>
+              </a:rPr>
+              <a:t>مبلغ پرداختی:  200 تومن</a:t>
+            </a:r>
+          </a:p>
+          <a:p>
+            <a:pPr algn="ctr"/>
+            <a:r>
+              <a:rPr lang="fa-IR" sz="2000" dirty="0" smtClean="0">
+                <a:solidFill>
+                  <a:schemeClr val="bg1"/>
+                </a:solidFill>
+                <a:cs typeface="B Nazanin" panose="00000400000000000000" pitchFamily="2" charset="-78"/>
+              </a:rPr>
+              <a:t>موجودی: 500 تومن</a:t>
+            </a:r>
+          </a:p>
+          <a:p>
+            <a:pPr algn="ctr"/>
+            <a:r>
+              <a:rPr lang="fa-IR" sz="2000" dirty="0" smtClean="0">
+                <a:solidFill>
+                  <a:schemeClr val="bg1"/>
+                </a:solidFill>
+                <a:cs typeface="B Nazanin" panose="00000400000000000000" pitchFamily="2" charset="-78"/>
+              </a:rPr>
+              <a:t>تاریخ ایجاد:  95/4/21</a:t>
+            </a:r>
+          </a:p>
+          <a:p>
+            <a:pPr algn="ctr"/>
+            <a:endParaRPr lang="en-US" sz="2000" dirty="0">
+              <a:solidFill>
+                <a:schemeClr val="bg1"/>
+              </a:solidFill>
+              <a:cs typeface="B Nazanin" panose="00000400000000000000" pitchFamily="2" charset="-78"/>
+            </a:endParaRPr>
+          </a:p>
+        </p:txBody>
+      </p:sp>
+      <p:sp>
+        <p:nvSpPr>
+          <p:cNvPr id="33" name="Rectangle 32"/>
+          <p:cNvSpPr/>
+          <p:nvPr/>
+        </p:nvSpPr>
+        <p:spPr>
+          <a:xfrm>
+            <a:off x="3866147" y="4660227"/>
+            <a:ext cx="4684295" cy="449179"/>
+          </a:xfrm>
+          <a:prstGeom prst="rect">
+            <a:avLst/>
+          </a:prstGeom>
+          <a:solidFill>
+            <a:schemeClr val="bg2">
+              <a:lumMod val="90000"/>
+            </a:schemeClr>
+          </a:solidFill>
+          <a:ln>
+            <a:solidFill>
+              <a:schemeClr val="accent2">
+                <a:lumMod val="50000"/>
+              </a:schemeClr>
+            </a:solidFill>
+          </a:ln>
+        </p:spPr>
+        <p:style>
+          <a:lnRef idx="2">
+            <a:schemeClr val="accent1">
+              <a:shade val="50000"/>
+            </a:schemeClr>
+          </a:lnRef>
+          <a:fillRef idx="1">
+            <a:schemeClr val="accent1"/>
+          </a:fillRef>
+          <a:effectRef idx="0">
+            <a:schemeClr val="accent1"/>
+          </a:effectRef>
+          <a:fontRef idx="minor">
+            <a:schemeClr val="lt1"/>
+          </a:fontRef>
+        </p:style>
+        <p:txBody>
+          <a:bodyPr rtlCol="0" anchor="ctr"/>
+          <a:lstStyle/>
+          <a:p>
+            <a:pPr algn="ctr"/>
+            <a:r>
+              <a:rPr lang="fa-IR" sz="2000" dirty="0" smtClean="0">
+                <a:solidFill>
+                  <a:schemeClr val="tx1"/>
+                </a:solidFill>
+                <a:cs typeface="B Nazanin" panose="00000400000000000000" pitchFamily="2" charset="-78"/>
+              </a:rPr>
+              <a:t>پرداخت قسط</a:t>
+            </a:r>
+            <a:endParaRPr lang="en-US" sz="2000" dirty="0">
+              <a:solidFill>
+                <a:schemeClr val="tx1"/>
+              </a:solidFill>
+              <a:cs typeface="B Nazanin" panose="00000400000000000000" pitchFamily="2" charset="-78"/>
+            </a:endParaRPr>
+          </a:p>
+        </p:txBody>
+      </p:sp>
+      <p:sp>
+        <p:nvSpPr>
+          <p:cNvPr id="5" name="Right Arrow 4"/>
+          <p:cNvSpPr/>
+          <p:nvPr/>
+        </p:nvSpPr>
+        <p:spPr>
+          <a:xfrm rot="10800000">
+            <a:off x="4042611" y="316648"/>
+            <a:ext cx="513347" cy="377355"/>
+          </a:xfrm>
+          <a:prstGeom prst="rightArrow">
+            <a:avLst/>
+          </a:prstGeom>
+        </p:spPr>
+        <p:style>
+          <a:lnRef idx="2">
+            <a:schemeClr val="accent1">
+              <a:shade val="50000"/>
+            </a:schemeClr>
+          </a:lnRef>
+          <a:fillRef idx="1">
+            <a:schemeClr val="accent1"/>
+          </a:fillRef>
+          <a:effectRef idx="0">
+            <a:schemeClr val="accent1"/>
+          </a:effectRef>
+          <a:fontRef idx="minor">
+            <a:schemeClr val="lt1"/>
+          </a:fontRef>
+        </p:style>
+        <p:txBody>
+          <a:bodyPr rtlCol="0" anchor="ctr"/>
+          <a:lstStyle/>
+          <a:p>
+            <a:pPr algn="ctr"/>
+            <a:endParaRPr lang="en-US"/>
+          </a:p>
+        </p:txBody>
+      </p:sp>
+      <p:sp>
+        <p:nvSpPr>
+          <p:cNvPr id="35" name="Rectangle 34"/>
+          <p:cNvSpPr/>
+          <p:nvPr/>
+        </p:nvSpPr>
+        <p:spPr>
+          <a:xfrm>
+            <a:off x="3866147" y="6432883"/>
+            <a:ext cx="4684295" cy="449179"/>
+          </a:xfrm>
+          <a:prstGeom prst="rect">
+            <a:avLst/>
+          </a:prstGeom>
+          <a:solidFill>
+            <a:schemeClr val="bg2">
+              <a:lumMod val="90000"/>
+            </a:schemeClr>
+          </a:solidFill>
+          <a:ln>
+            <a:solidFill>
+              <a:schemeClr val="accent2">
+                <a:lumMod val="50000"/>
+              </a:schemeClr>
+            </a:solidFill>
+          </a:ln>
+        </p:spPr>
+        <p:style>
+          <a:lnRef idx="2">
+            <a:schemeClr val="accent1">
+              <a:shade val="50000"/>
+            </a:schemeClr>
+          </a:lnRef>
+          <a:fillRef idx="1">
+            <a:schemeClr val="accent1"/>
+          </a:fillRef>
+          <a:effectRef idx="0">
+            <a:schemeClr val="accent1"/>
+          </a:effectRef>
+          <a:fontRef idx="minor">
+            <a:schemeClr val="lt1"/>
+          </a:fontRef>
+        </p:style>
+        <p:txBody>
+          <a:bodyPr rtlCol="0" anchor="ctr"/>
+          <a:lstStyle/>
+          <a:p>
+            <a:pPr algn="ctr"/>
+            <a:r>
+              <a:rPr lang="fa-IR" sz="2000" dirty="0" smtClean="0">
+                <a:solidFill>
+                  <a:schemeClr val="tx1"/>
+                </a:solidFill>
+                <a:cs typeface="B Nazanin" panose="00000400000000000000" pitchFamily="2" charset="-78"/>
+              </a:rPr>
+              <a:t>ویرایش اطلاعات</a:t>
+            </a:r>
+            <a:endParaRPr lang="en-US" sz="2000" dirty="0">
+              <a:solidFill>
+                <a:schemeClr val="tx1"/>
+              </a:solidFill>
+              <a:cs typeface="B Nazanin" panose="00000400000000000000" pitchFamily="2" charset="-78"/>
+            </a:endParaRPr>
+          </a:p>
+        </p:txBody>
+      </p:sp>
+    </p:spTree>
+    <p:extLst>
+      <p:ext uri="{BB962C8B-B14F-4D97-AF65-F5344CB8AC3E}">
+        <p14:creationId xmlns:p14="http://schemas.microsoft.com/office/powerpoint/2010/main" val="1031377403"/>
+      </p:ext>
+    </p:extLst>
+  </p:cSld>
+  <p:clrMapOvr>
+    <a:masterClrMapping/>
+  </p:clrMapOvr>
+  <p:timing>
+    <p:tnLst>
+      <p:par>
+        <p:cTn id="1" dur="indefinite" restart="never" nodeType="tmRoot"/>
+      </p:par>
+    </p:tnLst>
+  </p:timing>
+</p:sld>
+</file>
+
 <file path=ppt/slides/slide2.xml><?xml version="1.0" encoding="utf-8"?>
 <p:sld xmlns:a="http://schemas.openxmlformats.org/drawingml/2006/main" xmlns:r="http://schemas.openxmlformats.org/officeDocument/2006/relationships" xmlns:p="http://schemas.openxmlformats.org/presentationml/2006/main">
   <p:cSld>
@@ -6637,7 +7514,7 @@
         </p:nvSpPr>
         <p:spPr>
           <a:xfrm>
-            <a:off x="4209047" y="1627908"/>
+            <a:off x="4209047" y="1290744"/>
             <a:ext cx="3998492" cy="707886"/>
           </a:xfrm>
           <a:prstGeom prst="rect">
@@ -6803,7 +7680,7 @@
         </p:nvSpPr>
         <p:spPr>
           <a:xfrm>
-            <a:off x="4300731" y="2708942"/>
+            <a:off x="4300731" y="2221370"/>
             <a:ext cx="3777917" cy="417095"/>
           </a:xfrm>
           <a:prstGeom prst="rect">
@@ -7279,7 +8156,7 @@
         </p:nvSpPr>
         <p:spPr>
           <a:xfrm>
-            <a:off x="4288697" y="3254654"/>
+            <a:off x="4293261" y="2743203"/>
             <a:ext cx="3777917" cy="417095"/>
           </a:xfrm>
           <a:prstGeom prst="rect">
@@ -7334,7 +8211,7 @@
         </p:nvSpPr>
         <p:spPr>
           <a:xfrm>
-            <a:off x="4300731" y="3836349"/>
+            <a:off x="4300731" y="3306028"/>
             <a:ext cx="3777917" cy="417095"/>
           </a:xfrm>
           <a:prstGeom prst="rect">
@@ -7378,6 +8255,142 @@
                 <a:sysClr val="windowText" lastClr="000000"/>
               </a:solidFill>
             </a:endParaRPr>
+          </a:p>
+        </p:txBody>
+      </p:sp>
+      <p:sp>
+        <p:nvSpPr>
+          <p:cNvPr id="38" name="TextBox 37"/>
+          <p:cNvSpPr txBox="1"/>
+          <p:nvPr/>
+        </p:nvSpPr>
+        <p:spPr>
+          <a:xfrm>
+            <a:off x="6820904" y="3953736"/>
+            <a:ext cx="1153026" cy="400110"/>
+          </a:xfrm>
+          <a:prstGeom prst="rect">
+            <a:avLst/>
+          </a:prstGeom>
+          <a:noFill/>
+        </p:spPr>
+        <p:txBody>
+          <a:bodyPr wrap="square" rtlCol="0">
+            <a:spAutoFit/>
+          </a:bodyPr>
+          <a:lstStyle/>
+          <a:p>
+            <a:pPr algn="ctr"/>
+            <a:r>
+              <a:rPr lang="fa-IR" sz="2000" dirty="0" smtClean="0">
+                <a:solidFill>
+                  <a:schemeClr val="bg1"/>
+                </a:solidFill>
+                <a:cs typeface="B Nazanin" panose="00000400000000000000" pitchFamily="2" charset="-78"/>
+              </a:rPr>
+              <a:t>مدت دوره</a:t>
+            </a:r>
+            <a:endParaRPr lang="en-US" sz="2000" dirty="0">
+              <a:solidFill>
+                <a:schemeClr val="bg1"/>
+              </a:solidFill>
+              <a:cs typeface="B Nazanin" panose="00000400000000000000" pitchFamily="2" charset="-78"/>
+            </a:endParaRPr>
+          </a:p>
+        </p:txBody>
+      </p:sp>
+      <p:sp>
+        <p:nvSpPr>
+          <p:cNvPr id="39" name="Rectangle 38"/>
+          <p:cNvSpPr/>
+          <p:nvPr/>
+        </p:nvSpPr>
+        <p:spPr>
+          <a:xfrm>
+            <a:off x="4300732" y="3936751"/>
+            <a:ext cx="2520172" cy="417095"/>
+          </a:xfrm>
+          <a:prstGeom prst="rect">
+            <a:avLst/>
+          </a:prstGeom>
+          <a:solidFill>
+            <a:schemeClr val="bg1"/>
+          </a:solidFill>
+        </p:spPr>
+        <p:style>
+          <a:lnRef idx="2">
+            <a:schemeClr val="accent1">
+              <a:shade val="50000"/>
+            </a:schemeClr>
+          </a:lnRef>
+          <a:fillRef idx="1">
+            <a:schemeClr val="accent1"/>
+          </a:fillRef>
+          <a:effectRef idx="0">
+            <a:schemeClr val="accent1"/>
+          </a:effectRef>
+          <a:fontRef idx="minor">
+            <a:schemeClr val="lt1"/>
+          </a:fontRef>
+        </p:style>
+        <p:txBody>
+          <a:bodyPr rtlCol="0" anchor="ctr"/>
+          <a:lstStyle/>
+          <a:p>
+            <a:pPr algn="ctr"/>
+            <a:r>
+              <a:rPr lang="fa-IR" dirty="0" smtClean="0">
+                <a:solidFill>
+                  <a:sysClr val="windowText" lastClr="000000"/>
+                </a:solidFill>
+              </a:rPr>
+              <a:t>ماهیانه</a:t>
+            </a:r>
+            <a:endParaRPr lang="en-US" dirty="0">
+              <a:solidFill>
+                <a:sysClr val="windowText" lastClr="000000"/>
+              </a:solidFill>
+            </a:endParaRPr>
+          </a:p>
+        </p:txBody>
+      </p:sp>
+      <p:sp>
+        <p:nvSpPr>
+          <p:cNvPr id="2" name="Isosceles Triangle 1"/>
+          <p:cNvSpPr/>
+          <p:nvPr/>
+        </p:nvSpPr>
+        <p:spPr>
+          <a:xfrm rot="10800000">
+            <a:off x="6531451" y="4056523"/>
+            <a:ext cx="247019" cy="145394"/>
+          </a:xfrm>
+          <a:prstGeom prst="triangle">
+            <a:avLst/>
+          </a:prstGeom>
+        </p:spPr>
+        <p:style>
+          <a:lnRef idx="2">
+            <a:schemeClr val="dk1">
+              <a:shade val="50000"/>
+            </a:schemeClr>
+          </a:lnRef>
+          <a:fillRef idx="1">
+            <a:schemeClr val="dk1"/>
+          </a:fillRef>
+          <a:effectRef idx="0">
+            <a:schemeClr val="dk1"/>
+          </a:effectRef>
+          <a:fontRef idx="minor">
+            <a:schemeClr val="lt1"/>
+          </a:fontRef>
+        </p:style>
+        <p:txBody>
+          <a:bodyPr rtlCol="0" anchor="ctr"/>
+          <a:lstStyle/>
+          <a:p>
+            <a:pPr algn="ctr"/>
+            <a:endParaRPr lang="en-US"/>
           </a:p>
         </p:txBody>
       </p:sp>
@@ -9675,10 +10688,1543 @@
           <a:chExt cx="0" cy="0"/>
         </a:xfrm>
       </p:grpSpPr>
+      <p:sp>
+        <p:nvSpPr>
+          <p:cNvPr id="8" name="Rectangle 7"/>
+          <p:cNvSpPr/>
+          <p:nvPr/>
+        </p:nvSpPr>
+        <p:spPr>
+          <a:xfrm>
+            <a:off x="3866147" y="0"/>
+            <a:ext cx="4684295" cy="6858000"/>
+          </a:xfrm>
+          <a:prstGeom prst="rect">
+            <a:avLst/>
+          </a:prstGeom>
+        </p:spPr>
+        <p:style>
+          <a:lnRef idx="2">
+            <a:schemeClr val="accent1">
+              <a:shade val="50000"/>
+            </a:schemeClr>
+          </a:lnRef>
+          <a:fillRef idx="1">
+            <a:schemeClr val="accent1"/>
+          </a:fillRef>
+          <a:effectRef idx="0">
+            <a:schemeClr val="accent1"/>
+          </a:effectRef>
+          <a:fontRef idx="minor">
+            <a:schemeClr val="lt1"/>
+          </a:fontRef>
+        </p:style>
+        <p:txBody>
+          <a:bodyPr rtlCol="0" anchor="ctr"/>
+          <a:lstStyle/>
+          <a:p>
+            <a:pPr algn="ctr"/>
+            <a:endParaRPr lang="en-US" dirty="0"/>
+          </a:p>
+        </p:txBody>
+      </p:sp>
+      <p:sp>
+        <p:nvSpPr>
+          <p:cNvPr id="9" name="Rectangle 8"/>
+          <p:cNvSpPr/>
+          <p:nvPr/>
+        </p:nvSpPr>
+        <p:spPr>
+          <a:xfrm>
+            <a:off x="3866146" y="0"/>
+            <a:ext cx="4684295" cy="1010653"/>
+          </a:xfrm>
+          <a:prstGeom prst="rect">
+            <a:avLst/>
+          </a:prstGeom>
+          <a:solidFill>
+            <a:schemeClr val="accent3">
+              <a:lumMod val="20000"/>
+              <a:lumOff val="80000"/>
+            </a:schemeClr>
+          </a:solidFill>
+        </p:spPr>
+        <p:style>
+          <a:lnRef idx="2">
+            <a:schemeClr val="accent1">
+              <a:shade val="50000"/>
+            </a:schemeClr>
+          </a:lnRef>
+          <a:fillRef idx="1">
+            <a:schemeClr val="accent1"/>
+          </a:fillRef>
+          <a:effectRef idx="0">
+            <a:schemeClr val="accent1"/>
+          </a:effectRef>
+          <a:fontRef idx="minor">
+            <a:schemeClr val="lt1"/>
+          </a:fontRef>
+        </p:style>
+        <p:txBody>
+          <a:bodyPr rtlCol="0" anchor="ctr"/>
+          <a:lstStyle/>
+          <a:p>
+            <a:pPr algn="ctr"/>
+            <a:r>
+              <a:rPr lang="fa-IR" sz="2000" b="1" dirty="0" smtClean="0">
+                <a:solidFill>
+                  <a:schemeClr val="tx1"/>
+                </a:solidFill>
+                <a:cs typeface="B Nazanin" panose="00000400000000000000" pitchFamily="2" charset="-78"/>
+              </a:rPr>
+              <a:t>صندوق 1</a:t>
+            </a:r>
+            <a:endParaRPr lang="en-US" sz="2000" b="1" dirty="0">
+              <a:solidFill>
+                <a:schemeClr val="tx1"/>
+              </a:solidFill>
+              <a:cs typeface="B Nazanin" panose="00000400000000000000" pitchFamily="2" charset="-78"/>
+            </a:endParaRPr>
+          </a:p>
+        </p:txBody>
+      </p:sp>
+      <p:sp>
+        <p:nvSpPr>
+          <p:cNvPr id="3" name="Rectangle 2"/>
+          <p:cNvSpPr/>
+          <p:nvPr/>
+        </p:nvSpPr>
+        <p:spPr>
+          <a:xfrm>
+            <a:off x="3874168" y="5109408"/>
+            <a:ext cx="4684295" cy="449179"/>
+          </a:xfrm>
+          <a:prstGeom prst="rect">
+            <a:avLst/>
+          </a:prstGeom>
+          <a:solidFill>
+            <a:schemeClr val="bg2">
+              <a:lumMod val="90000"/>
+            </a:schemeClr>
+          </a:solidFill>
+          <a:ln>
+            <a:solidFill>
+              <a:schemeClr val="accent2">
+                <a:lumMod val="50000"/>
+              </a:schemeClr>
+            </a:solidFill>
+          </a:ln>
+        </p:spPr>
+        <p:style>
+          <a:lnRef idx="2">
+            <a:schemeClr val="accent1">
+              <a:shade val="50000"/>
+            </a:schemeClr>
+          </a:lnRef>
+          <a:fillRef idx="1">
+            <a:schemeClr val="accent1"/>
+          </a:fillRef>
+          <a:effectRef idx="0">
+            <a:schemeClr val="accent1"/>
+          </a:effectRef>
+          <a:fontRef idx="minor">
+            <a:schemeClr val="lt1"/>
+          </a:fontRef>
+        </p:style>
+        <p:txBody>
+          <a:bodyPr rtlCol="0" anchor="ctr"/>
+          <a:lstStyle/>
+          <a:p>
+            <a:pPr algn="ctr"/>
+            <a:r>
+              <a:rPr lang="fa-IR" sz="2000" dirty="0" smtClean="0">
+                <a:solidFill>
+                  <a:schemeClr val="tx1"/>
+                </a:solidFill>
+                <a:cs typeface="B Nazanin" panose="00000400000000000000" pitchFamily="2" charset="-78"/>
+              </a:rPr>
+              <a:t>پرداخت(وارد کردن شناسه پرداخت)</a:t>
+            </a:r>
+            <a:endParaRPr lang="en-US" sz="2000" dirty="0">
+              <a:solidFill>
+                <a:schemeClr val="tx1"/>
+              </a:solidFill>
+              <a:cs typeface="B Nazanin" panose="00000400000000000000" pitchFamily="2" charset="-78"/>
+            </a:endParaRPr>
+          </a:p>
+        </p:txBody>
+      </p:sp>
+      <p:sp>
+        <p:nvSpPr>
+          <p:cNvPr id="30" name="Rectangle 29"/>
+          <p:cNvSpPr/>
+          <p:nvPr/>
+        </p:nvSpPr>
+        <p:spPr>
+          <a:xfrm>
+            <a:off x="3874168" y="5558587"/>
+            <a:ext cx="4684295" cy="449179"/>
+          </a:xfrm>
+          <a:prstGeom prst="rect">
+            <a:avLst/>
+          </a:prstGeom>
+          <a:solidFill>
+            <a:schemeClr val="bg2">
+              <a:lumMod val="90000"/>
+            </a:schemeClr>
+          </a:solidFill>
+          <a:ln>
+            <a:solidFill>
+              <a:schemeClr val="accent2">
+                <a:lumMod val="50000"/>
+              </a:schemeClr>
+            </a:solidFill>
+          </a:ln>
+        </p:spPr>
+        <p:style>
+          <a:lnRef idx="2">
+            <a:schemeClr val="accent1">
+              <a:shade val="50000"/>
+            </a:schemeClr>
+          </a:lnRef>
+          <a:fillRef idx="1">
+            <a:schemeClr val="accent1"/>
+          </a:fillRef>
+          <a:effectRef idx="0">
+            <a:schemeClr val="accent1"/>
+          </a:effectRef>
+          <a:fontRef idx="minor">
+            <a:schemeClr val="lt1"/>
+          </a:fontRef>
+        </p:style>
+        <p:txBody>
+          <a:bodyPr rtlCol="0" anchor="ctr"/>
+          <a:lstStyle/>
+          <a:p>
+            <a:pPr algn="ctr"/>
+            <a:r>
+              <a:rPr lang="fa-IR" sz="2000" dirty="0" smtClean="0">
+                <a:solidFill>
+                  <a:schemeClr val="tx1"/>
+                </a:solidFill>
+                <a:cs typeface="B Nazanin" panose="00000400000000000000" pitchFamily="2" charset="-78"/>
+              </a:rPr>
+              <a:t>پرداخت قسط</a:t>
+            </a:r>
+            <a:endParaRPr lang="en-US" sz="2000" dirty="0">
+              <a:solidFill>
+                <a:schemeClr val="tx1"/>
+              </a:solidFill>
+              <a:cs typeface="B Nazanin" panose="00000400000000000000" pitchFamily="2" charset="-78"/>
+            </a:endParaRPr>
+          </a:p>
+        </p:txBody>
+      </p:sp>
+      <p:sp>
+        <p:nvSpPr>
+          <p:cNvPr id="31" name="Rectangle 30"/>
+          <p:cNvSpPr/>
+          <p:nvPr/>
+        </p:nvSpPr>
+        <p:spPr>
+          <a:xfrm>
+            <a:off x="3874168" y="6007766"/>
+            <a:ext cx="4684295" cy="449179"/>
+          </a:xfrm>
+          <a:prstGeom prst="rect">
+            <a:avLst/>
+          </a:prstGeom>
+          <a:solidFill>
+            <a:schemeClr val="bg2">
+              <a:lumMod val="90000"/>
+            </a:schemeClr>
+          </a:solidFill>
+          <a:ln>
+            <a:solidFill>
+              <a:schemeClr val="accent2">
+                <a:lumMod val="50000"/>
+              </a:schemeClr>
+            </a:solidFill>
+          </a:ln>
+        </p:spPr>
+        <p:style>
+          <a:lnRef idx="2">
+            <a:schemeClr val="accent1">
+              <a:shade val="50000"/>
+            </a:schemeClr>
+          </a:lnRef>
+          <a:fillRef idx="1">
+            <a:schemeClr val="accent1"/>
+          </a:fillRef>
+          <a:effectRef idx="0">
+            <a:schemeClr val="accent1"/>
+          </a:effectRef>
+          <a:fontRef idx="minor">
+            <a:schemeClr val="lt1"/>
+          </a:fontRef>
+        </p:style>
+        <p:txBody>
+          <a:bodyPr rtlCol="0" anchor="ctr"/>
+          <a:lstStyle/>
+          <a:p>
+            <a:pPr algn="ctr"/>
+            <a:r>
+              <a:rPr lang="fa-IR" sz="2000" dirty="0" smtClean="0">
+                <a:solidFill>
+                  <a:schemeClr val="tx1"/>
+                </a:solidFill>
+                <a:cs typeface="B Nazanin" panose="00000400000000000000" pitchFamily="2" charset="-78"/>
+              </a:rPr>
+              <a:t>گزارش (سابقه)</a:t>
+            </a:r>
+            <a:endParaRPr lang="en-US" sz="2000" dirty="0">
+              <a:solidFill>
+                <a:schemeClr val="tx1"/>
+              </a:solidFill>
+              <a:cs typeface="B Nazanin" panose="00000400000000000000" pitchFamily="2" charset="-78"/>
+            </a:endParaRPr>
+          </a:p>
+        </p:txBody>
+      </p:sp>
+      <p:sp>
+        <p:nvSpPr>
+          <p:cNvPr id="32" name="TextBox 31"/>
+          <p:cNvSpPr txBox="1"/>
+          <p:nvPr/>
+        </p:nvSpPr>
+        <p:spPr>
+          <a:xfrm>
+            <a:off x="4042611" y="1627908"/>
+            <a:ext cx="4164928" cy="2554545"/>
+          </a:xfrm>
+          <a:prstGeom prst="rect">
+            <a:avLst/>
+          </a:prstGeom>
+          <a:noFill/>
+        </p:spPr>
+        <p:txBody>
+          <a:bodyPr wrap="square" rtlCol="0">
+            <a:spAutoFit/>
+          </a:bodyPr>
+          <a:lstStyle/>
+          <a:p>
+            <a:pPr algn="ctr"/>
+            <a:r>
+              <a:rPr lang="fa-IR" sz="2000" dirty="0" smtClean="0">
+                <a:solidFill>
+                  <a:schemeClr val="bg1"/>
+                </a:solidFill>
+                <a:cs typeface="B Nazanin" panose="00000400000000000000" pitchFamily="2" charset="-78"/>
+              </a:rPr>
+              <a:t>شماره حساب: 123456789</a:t>
+            </a:r>
+          </a:p>
+          <a:p>
+            <a:pPr algn="ctr"/>
+            <a:r>
+              <a:rPr lang="fa-IR" sz="2000" dirty="0" smtClean="0">
+                <a:solidFill>
+                  <a:schemeClr val="bg1"/>
+                </a:solidFill>
+                <a:cs typeface="B Nazanin" panose="00000400000000000000" pitchFamily="2" charset="-78"/>
+              </a:rPr>
+              <a:t>شماره کارت: 123456789</a:t>
+            </a:r>
+          </a:p>
+          <a:p>
+            <a:pPr algn="ctr"/>
+            <a:r>
+              <a:rPr lang="fa-IR" sz="2000" dirty="0" smtClean="0">
+                <a:solidFill>
+                  <a:schemeClr val="bg1"/>
+                </a:solidFill>
+                <a:cs typeface="B Nazanin" panose="00000400000000000000" pitchFamily="2" charset="-78"/>
+              </a:rPr>
+              <a:t>تعداد اعضا:   3 نفر</a:t>
+            </a:r>
+          </a:p>
+          <a:p>
+            <a:pPr algn="ctr"/>
+            <a:r>
+              <a:rPr lang="fa-IR" sz="2000" dirty="0" smtClean="0">
+                <a:solidFill>
+                  <a:schemeClr val="bg1"/>
+                </a:solidFill>
+                <a:cs typeface="B Nazanin" panose="00000400000000000000" pitchFamily="2" charset="-78"/>
+              </a:rPr>
+              <a:t>مدت دوره:  هرماه</a:t>
+            </a:r>
+          </a:p>
+          <a:p>
+            <a:pPr algn="ctr"/>
+            <a:r>
+              <a:rPr lang="fa-IR" sz="2000" dirty="0" smtClean="0">
+                <a:solidFill>
+                  <a:schemeClr val="bg1"/>
+                </a:solidFill>
+                <a:cs typeface="B Nazanin" panose="00000400000000000000" pitchFamily="2" charset="-78"/>
+              </a:rPr>
+              <a:t>مبلغ پرداختی:  200 تومن</a:t>
+            </a:r>
+          </a:p>
+          <a:p>
+            <a:pPr algn="ctr"/>
+            <a:r>
+              <a:rPr lang="fa-IR" sz="2000" dirty="0" smtClean="0">
+                <a:solidFill>
+                  <a:schemeClr val="bg1"/>
+                </a:solidFill>
+                <a:cs typeface="B Nazanin" panose="00000400000000000000" pitchFamily="2" charset="-78"/>
+              </a:rPr>
+              <a:t>موجودی: 500 تومن</a:t>
+            </a:r>
+          </a:p>
+          <a:p>
+            <a:pPr algn="ctr"/>
+            <a:r>
+              <a:rPr lang="fa-IR" sz="2000" dirty="0" smtClean="0">
+                <a:solidFill>
+                  <a:schemeClr val="bg1"/>
+                </a:solidFill>
+                <a:cs typeface="B Nazanin" panose="00000400000000000000" pitchFamily="2" charset="-78"/>
+              </a:rPr>
+              <a:t>تاریخ ایجاد:  95/4/21</a:t>
+            </a:r>
+          </a:p>
+          <a:p>
+            <a:pPr algn="ctr"/>
+            <a:endParaRPr lang="en-US" sz="2000" dirty="0">
+              <a:solidFill>
+                <a:schemeClr val="bg1"/>
+              </a:solidFill>
+              <a:cs typeface="B Nazanin" panose="00000400000000000000" pitchFamily="2" charset="-78"/>
+            </a:endParaRPr>
+          </a:p>
+        </p:txBody>
+      </p:sp>
+      <p:sp>
+        <p:nvSpPr>
+          <p:cNvPr id="33" name="Rectangle 32"/>
+          <p:cNvSpPr/>
+          <p:nvPr/>
+        </p:nvSpPr>
+        <p:spPr>
+          <a:xfrm>
+            <a:off x="3866147" y="4660227"/>
+            <a:ext cx="4684295" cy="449179"/>
+          </a:xfrm>
+          <a:prstGeom prst="rect">
+            <a:avLst/>
+          </a:prstGeom>
+          <a:solidFill>
+            <a:schemeClr val="bg2">
+              <a:lumMod val="90000"/>
+            </a:schemeClr>
+          </a:solidFill>
+          <a:ln>
+            <a:solidFill>
+              <a:schemeClr val="accent2">
+                <a:lumMod val="50000"/>
+              </a:schemeClr>
+            </a:solidFill>
+          </a:ln>
+        </p:spPr>
+        <p:style>
+          <a:lnRef idx="2">
+            <a:schemeClr val="accent1">
+              <a:shade val="50000"/>
+            </a:schemeClr>
+          </a:lnRef>
+          <a:fillRef idx="1">
+            <a:schemeClr val="accent1"/>
+          </a:fillRef>
+          <a:effectRef idx="0">
+            <a:schemeClr val="accent1"/>
+          </a:effectRef>
+          <a:fontRef idx="minor">
+            <a:schemeClr val="lt1"/>
+          </a:fontRef>
+        </p:style>
+        <p:txBody>
+          <a:bodyPr rtlCol="0" anchor="ctr"/>
+          <a:lstStyle/>
+          <a:p>
+            <a:pPr algn="ctr"/>
+            <a:r>
+              <a:rPr lang="fa-IR" sz="2000" dirty="0" smtClean="0">
+                <a:solidFill>
+                  <a:schemeClr val="tx1"/>
+                </a:solidFill>
+                <a:cs typeface="B Nazanin" panose="00000400000000000000" pitchFamily="2" charset="-78"/>
+              </a:rPr>
+              <a:t>درخواست وام</a:t>
+            </a:r>
+            <a:endParaRPr lang="en-US" sz="2000" dirty="0">
+              <a:solidFill>
+                <a:schemeClr val="tx1"/>
+              </a:solidFill>
+              <a:cs typeface="B Nazanin" panose="00000400000000000000" pitchFamily="2" charset="-78"/>
+            </a:endParaRPr>
+          </a:p>
+        </p:txBody>
+      </p:sp>
+      <p:sp>
+        <p:nvSpPr>
+          <p:cNvPr id="5" name="Right Arrow 4"/>
+          <p:cNvSpPr/>
+          <p:nvPr/>
+        </p:nvSpPr>
+        <p:spPr>
+          <a:xfrm rot="10800000">
+            <a:off x="4042611" y="316648"/>
+            <a:ext cx="513347" cy="377355"/>
+          </a:xfrm>
+          <a:prstGeom prst="rightArrow">
+            <a:avLst/>
+          </a:prstGeom>
+        </p:spPr>
+        <p:style>
+          <a:lnRef idx="2">
+            <a:schemeClr val="accent1">
+              <a:shade val="50000"/>
+            </a:schemeClr>
+          </a:lnRef>
+          <a:fillRef idx="1">
+            <a:schemeClr val="accent1"/>
+          </a:fillRef>
+          <a:effectRef idx="0">
+            <a:schemeClr val="accent1"/>
+          </a:effectRef>
+          <a:fontRef idx="minor">
+            <a:schemeClr val="lt1"/>
+          </a:fontRef>
+        </p:style>
+        <p:txBody>
+          <a:bodyPr rtlCol="0" anchor="ctr"/>
+          <a:lstStyle/>
+          <a:p>
+            <a:pPr algn="ctr"/>
+            <a:endParaRPr lang="en-US"/>
+          </a:p>
+        </p:txBody>
+      </p:sp>
+      <p:sp>
+        <p:nvSpPr>
+          <p:cNvPr id="2" name="Oval 1"/>
+          <p:cNvSpPr/>
+          <p:nvPr/>
+        </p:nvSpPr>
+        <p:spPr>
+          <a:xfrm>
+            <a:off x="8357937" y="192505"/>
+            <a:ext cx="80210" cy="124143"/>
+          </a:xfrm>
+          <a:prstGeom prst="ellipse">
+            <a:avLst/>
+          </a:prstGeom>
+          <a:solidFill>
+            <a:schemeClr val="tx1"/>
+          </a:solidFill>
+        </p:spPr>
+        <p:style>
+          <a:lnRef idx="2">
+            <a:schemeClr val="accent1">
+              <a:shade val="50000"/>
+            </a:schemeClr>
+          </a:lnRef>
+          <a:fillRef idx="1">
+            <a:schemeClr val="accent1"/>
+          </a:fillRef>
+          <a:effectRef idx="0">
+            <a:schemeClr val="accent1"/>
+          </a:effectRef>
+          <a:fontRef idx="minor">
+            <a:schemeClr val="lt1"/>
+          </a:fontRef>
+        </p:style>
+        <p:txBody>
+          <a:bodyPr rtlCol="0" anchor="ctr"/>
+          <a:lstStyle/>
+          <a:p>
+            <a:pPr algn="ctr"/>
+            <a:endParaRPr lang="en-US"/>
+          </a:p>
+        </p:txBody>
+      </p:sp>
+      <p:sp>
+        <p:nvSpPr>
+          <p:cNvPr id="11" name="Oval 10"/>
+          <p:cNvSpPr/>
+          <p:nvPr/>
+        </p:nvSpPr>
+        <p:spPr>
+          <a:xfrm>
+            <a:off x="8349917" y="376989"/>
+            <a:ext cx="80210" cy="124143"/>
+          </a:xfrm>
+          <a:prstGeom prst="ellipse">
+            <a:avLst/>
+          </a:prstGeom>
+          <a:solidFill>
+            <a:schemeClr val="tx1"/>
+          </a:solidFill>
+        </p:spPr>
+        <p:style>
+          <a:lnRef idx="2">
+            <a:schemeClr val="accent1">
+              <a:shade val="50000"/>
+            </a:schemeClr>
+          </a:lnRef>
+          <a:fillRef idx="1">
+            <a:schemeClr val="accent1"/>
+          </a:fillRef>
+          <a:effectRef idx="0">
+            <a:schemeClr val="accent1"/>
+          </a:effectRef>
+          <a:fontRef idx="minor">
+            <a:schemeClr val="lt1"/>
+          </a:fontRef>
+        </p:style>
+        <p:txBody>
+          <a:bodyPr rtlCol="0" anchor="ctr"/>
+          <a:lstStyle/>
+          <a:p>
+            <a:pPr algn="ctr"/>
+            <a:endParaRPr lang="en-US"/>
+          </a:p>
+        </p:txBody>
+      </p:sp>
+      <p:sp>
+        <p:nvSpPr>
+          <p:cNvPr id="12" name="Oval 11"/>
+          <p:cNvSpPr/>
+          <p:nvPr/>
+        </p:nvSpPr>
+        <p:spPr>
+          <a:xfrm>
+            <a:off x="8349917" y="537409"/>
+            <a:ext cx="80210" cy="124143"/>
+          </a:xfrm>
+          <a:prstGeom prst="ellipse">
+            <a:avLst/>
+          </a:prstGeom>
+          <a:solidFill>
+            <a:schemeClr val="tx1"/>
+          </a:solidFill>
+        </p:spPr>
+        <p:style>
+          <a:lnRef idx="2">
+            <a:schemeClr val="accent1">
+              <a:shade val="50000"/>
+            </a:schemeClr>
+          </a:lnRef>
+          <a:fillRef idx="1">
+            <a:schemeClr val="accent1"/>
+          </a:fillRef>
+          <a:effectRef idx="0">
+            <a:schemeClr val="accent1"/>
+          </a:effectRef>
+          <a:fontRef idx="minor">
+            <a:schemeClr val="lt1"/>
+          </a:fontRef>
+        </p:style>
+        <p:txBody>
+          <a:bodyPr rtlCol="0" anchor="ctr"/>
+          <a:lstStyle/>
+          <a:p>
+            <a:pPr algn="ctr"/>
+            <a:endParaRPr lang="en-US"/>
+          </a:p>
+        </p:txBody>
+      </p:sp>
     </p:spTree>
     <p:extLst>
       <p:ext uri="{BB962C8B-B14F-4D97-AF65-F5344CB8AC3E}">
-        <p14:creationId xmlns:p14="http://schemas.microsoft.com/office/powerpoint/2010/main" val="88769672"/>
+        <p14:creationId xmlns:p14="http://schemas.microsoft.com/office/powerpoint/2010/main" val="1650564135"/>
+      </p:ext>
+    </p:extLst>
+  </p:cSld>
+  <p:clrMapOvr>
+    <a:masterClrMapping/>
+  </p:clrMapOvr>
+  <p:timing>
+    <p:tnLst>
+      <p:par>
+        <p:cTn id="1" dur="indefinite" restart="never" nodeType="tmRoot"/>
+      </p:par>
+    </p:tnLst>
+  </p:timing>
+</p:sld>
+</file>
+
+<file path=ppt/slides/slide9.xml><?xml version="1.0" encoding="utf-8"?>
+<p:sld xmlns:a="http://schemas.openxmlformats.org/drawingml/2006/main" xmlns:r="http://schemas.openxmlformats.org/officeDocument/2006/relationships" xmlns:p="http://schemas.openxmlformats.org/presentationml/2006/main">
+  <p:cSld>
+    <p:spTree>
+      <p:nvGrpSpPr>
+        <p:cNvPr id="1" name=""/>
+        <p:cNvGrpSpPr/>
+        <p:nvPr/>
+      </p:nvGrpSpPr>
+      <p:grpSpPr>
+        <a:xfrm>
+          <a:off x="0" y="0"/>
+          <a:ext cx="0" cy="0"/>
+          <a:chOff x="0" y="0"/>
+          <a:chExt cx="0" cy="0"/>
+        </a:xfrm>
+      </p:grpSpPr>
+      <p:sp>
+        <p:nvSpPr>
+          <p:cNvPr id="8" name="Rectangle 7"/>
+          <p:cNvSpPr/>
+          <p:nvPr/>
+        </p:nvSpPr>
+        <p:spPr>
+          <a:xfrm>
+            <a:off x="3866147" y="0"/>
+            <a:ext cx="4684295" cy="6858000"/>
+          </a:xfrm>
+          <a:prstGeom prst="rect">
+            <a:avLst/>
+          </a:prstGeom>
+        </p:spPr>
+        <p:style>
+          <a:lnRef idx="2">
+            <a:schemeClr val="accent1">
+              <a:shade val="50000"/>
+            </a:schemeClr>
+          </a:lnRef>
+          <a:fillRef idx="1">
+            <a:schemeClr val="accent1"/>
+          </a:fillRef>
+          <a:effectRef idx="0">
+            <a:schemeClr val="accent1"/>
+          </a:effectRef>
+          <a:fontRef idx="minor">
+            <a:schemeClr val="lt1"/>
+          </a:fontRef>
+        </p:style>
+        <p:txBody>
+          <a:bodyPr rtlCol="0" anchor="ctr"/>
+          <a:lstStyle/>
+          <a:p>
+            <a:pPr algn="ctr"/>
+            <a:endParaRPr lang="en-US" dirty="0"/>
+          </a:p>
+        </p:txBody>
+      </p:sp>
+      <p:sp>
+        <p:nvSpPr>
+          <p:cNvPr id="9" name="Rectangle 8"/>
+          <p:cNvSpPr/>
+          <p:nvPr/>
+        </p:nvSpPr>
+        <p:spPr>
+          <a:xfrm>
+            <a:off x="3866146" y="0"/>
+            <a:ext cx="4684295" cy="1010653"/>
+          </a:xfrm>
+          <a:prstGeom prst="rect">
+            <a:avLst/>
+          </a:prstGeom>
+          <a:solidFill>
+            <a:schemeClr val="accent3">
+              <a:lumMod val="20000"/>
+              <a:lumOff val="80000"/>
+            </a:schemeClr>
+          </a:solidFill>
+        </p:spPr>
+        <p:style>
+          <a:lnRef idx="2">
+            <a:schemeClr val="accent1">
+              <a:shade val="50000"/>
+            </a:schemeClr>
+          </a:lnRef>
+          <a:fillRef idx="1">
+            <a:schemeClr val="accent1"/>
+          </a:fillRef>
+          <a:effectRef idx="0">
+            <a:schemeClr val="accent1"/>
+          </a:effectRef>
+          <a:fontRef idx="minor">
+            <a:schemeClr val="lt1"/>
+          </a:fontRef>
+        </p:style>
+        <p:txBody>
+          <a:bodyPr rtlCol="0" anchor="ctr"/>
+          <a:lstStyle/>
+          <a:p>
+            <a:pPr algn="ctr"/>
+            <a:r>
+              <a:rPr lang="fa-IR" sz="2000" b="1" dirty="0" smtClean="0">
+                <a:solidFill>
+                  <a:schemeClr val="tx1"/>
+                </a:solidFill>
+                <a:cs typeface="B Nazanin" panose="00000400000000000000" pitchFamily="2" charset="-78"/>
+              </a:rPr>
+              <a:t>صندوق 1</a:t>
+            </a:r>
+            <a:endParaRPr lang="en-US" sz="2000" b="1" dirty="0">
+              <a:solidFill>
+                <a:schemeClr val="tx1"/>
+              </a:solidFill>
+              <a:cs typeface="B Nazanin" panose="00000400000000000000" pitchFamily="2" charset="-78"/>
+            </a:endParaRPr>
+          </a:p>
+        </p:txBody>
+      </p:sp>
+      <p:sp>
+        <p:nvSpPr>
+          <p:cNvPr id="3" name="Rectangle 2"/>
+          <p:cNvSpPr/>
+          <p:nvPr/>
+        </p:nvSpPr>
+        <p:spPr>
+          <a:xfrm>
+            <a:off x="3874168" y="5109408"/>
+            <a:ext cx="4684295" cy="449179"/>
+          </a:xfrm>
+          <a:prstGeom prst="rect">
+            <a:avLst/>
+          </a:prstGeom>
+          <a:solidFill>
+            <a:schemeClr val="bg2">
+              <a:lumMod val="90000"/>
+            </a:schemeClr>
+          </a:solidFill>
+          <a:ln>
+            <a:solidFill>
+              <a:schemeClr val="accent2">
+                <a:lumMod val="50000"/>
+              </a:schemeClr>
+            </a:solidFill>
+          </a:ln>
+        </p:spPr>
+        <p:style>
+          <a:lnRef idx="2">
+            <a:schemeClr val="accent1">
+              <a:shade val="50000"/>
+            </a:schemeClr>
+          </a:lnRef>
+          <a:fillRef idx="1">
+            <a:schemeClr val="accent1"/>
+          </a:fillRef>
+          <a:effectRef idx="0">
+            <a:schemeClr val="accent1"/>
+          </a:effectRef>
+          <a:fontRef idx="minor">
+            <a:schemeClr val="lt1"/>
+          </a:fontRef>
+        </p:style>
+        <p:txBody>
+          <a:bodyPr rtlCol="0" anchor="ctr"/>
+          <a:lstStyle/>
+          <a:p>
+            <a:pPr algn="ctr"/>
+            <a:r>
+              <a:rPr lang="fa-IR" sz="2000" dirty="0" smtClean="0">
+                <a:solidFill>
+                  <a:schemeClr val="tx1"/>
+                </a:solidFill>
+                <a:cs typeface="B Nazanin" panose="00000400000000000000" pitchFamily="2" charset="-78"/>
+              </a:rPr>
+              <a:t>پرداخت(وارد کردن شناسه پرداخت)</a:t>
+            </a:r>
+            <a:endParaRPr lang="en-US" sz="2000" dirty="0">
+              <a:solidFill>
+                <a:schemeClr val="tx1"/>
+              </a:solidFill>
+              <a:cs typeface="B Nazanin" panose="00000400000000000000" pitchFamily="2" charset="-78"/>
+            </a:endParaRPr>
+          </a:p>
+        </p:txBody>
+      </p:sp>
+      <p:sp>
+        <p:nvSpPr>
+          <p:cNvPr id="30" name="Rectangle 29"/>
+          <p:cNvSpPr/>
+          <p:nvPr/>
+        </p:nvSpPr>
+        <p:spPr>
+          <a:xfrm>
+            <a:off x="3874168" y="5558587"/>
+            <a:ext cx="4684295" cy="449179"/>
+          </a:xfrm>
+          <a:prstGeom prst="rect">
+            <a:avLst/>
+          </a:prstGeom>
+          <a:solidFill>
+            <a:schemeClr val="bg2">
+              <a:lumMod val="90000"/>
+            </a:schemeClr>
+          </a:solidFill>
+          <a:ln>
+            <a:solidFill>
+              <a:schemeClr val="accent2">
+                <a:lumMod val="50000"/>
+              </a:schemeClr>
+            </a:solidFill>
+          </a:ln>
+        </p:spPr>
+        <p:style>
+          <a:lnRef idx="2">
+            <a:schemeClr val="accent1">
+              <a:shade val="50000"/>
+            </a:schemeClr>
+          </a:lnRef>
+          <a:fillRef idx="1">
+            <a:schemeClr val="accent1"/>
+          </a:fillRef>
+          <a:effectRef idx="0">
+            <a:schemeClr val="accent1"/>
+          </a:effectRef>
+          <a:fontRef idx="minor">
+            <a:schemeClr val="lt1"/>
+          </a:fontRef>
+        </p:style>
+        <p:txBody>
+          <a:bodyPr rtlCol="0" anchor="ctr"/>
+          <a:lstStyle/>
+          <a:p>
+            <a:pPr algn="ctr"/>
+            <a:r>
+              <a:rPr lang="fa-IR" sz="2000" dirty="0" smtClean="0">
+                <a:solidFill>
+                  <a:schemeClr val="tx1"/>
+                </a:solidFill>
+                <a:cs typeface="B Nazanin" panose="00000400000000000000" pitchFamily="2" charset="-78"/>
+              </a:rPr>
+              <a:t>پرداخت قسط</a:t>
+            </a:r>
+            <a:endParaRPr lang="en-US" sz="2000" dirty="0">
+              <a:solidFill>
+                <a:schemeClr val="tx1"/>
+              </a:solidFill>
+              <a:cs typeface="B Nazanin" panose="00000400000000000000" pitchFamily="2" charset="-78"/>
+            </a:endParaRPr>
+          </a:p>
+        </p:txBody>
+      </p:sp>
+      <p:sp>
+        <p:nvSpPr>
+          <p:cNvPr id="31" name="Rectangle 30"/>
+          <p:cNvSpPr/>
+          <p:nvPr/>
+        </p:nvSpPr>
+        <p:spPr>
+          <a:xfrm>
+            <a:off x="3874168" y="6007766"/>
+            <a:ext cx="4684295" cy="449179"/>
+          </a:xfrm>
+          <a:prstGeom prst="rect">
+            <a:avLst/>
+          </a:prstGeom>
+          <a:solidFill>
+            <a:schemeClr val="bg2">
+              <a:lumMod val="90000"/>
+            </a:schemeClr>
+          </a:solidFill>
+          <a:ln>
+            <a:solidFill>
+              <a:schemeClr val="accent2">
+                <a:lumMod val="50000"/>
+              </a:schemeClr>
+            </a:solidFill>
+          </a:ln>
+        </p:spPr>
+        <p:style>
+          <a:lnRef idx="2">
+            <a:schemeClr val="accent1">
+              <a:shade val="50000"/>
+            </a:schemeClr>
+          </a:lnRef>
+          <a:fillRef idx="1">
+            <a:schemeClr val="accent1"/>
+          </a:fillRef>
+          <a:effectRef idx="0">
+            <a:schemeClr val="accent1"/>
+          </a:effectRef>
+          <a:fontRef idx="minor">
+            <a:schemeClr val="lt1"/>
+          </a:fontRef>
+        </p:style>
+        <p:txBody>
+          <a:bodyPr rtlCol="0" anchor="ctr"/>
+          <a:lstStyle/>
+          <a:p>
+            <a:pPr algn="ctr"/>
+            <a:r>
+              <a:rPr lang="fa-IR" sz="2000" dirty="0" smtClean="0">
+                <a:solidFill>
+                  <a:schemeClr val="tx1"/>
+                </a:solidFill>
+                <a:cs typeface="B Nazanin" panose="00000400000000000000" pitchFamily="2" charset="-78"/>
+              </a:rPr>
+              <a:t>گزارش (سابقه)</a:t>
+            </a:r>
+            <a:endParaRPr lang="en-US" sz="2000" dirty="0">
+              <a:solidFill>
+                <a:schemeClr val="tx1"/>
+              </a:solidFill>
+              <a:cs typeface="B Nazanin" panose="00000400000000000000" pitchFamily="2" charset="-78"/>
+            </a:endParaRPr>
+          </a:p>
+        </p:txBody>
+      </p:sp>
+      <p:sp>
+        <p:nvSpPr>
+          <p:cNvPr id="32" name="TextBox 31"/>
+          <p:cNvSpPr txBox="1"/>
+          <p:nvPr/>
+        </p:nvSpPr>
+        <p:spPr>
+          <a:xfrm>
+            <a:off x="4042611" y="1627908"/>
+            <a:ext cx="4164928" cy="2554545"/>
+          </a:xfrm>
+          <a:prstGeom prst="rect">
+            <a:avLst/>
+          </a:prstGeom>
+          <a:noFill/>
+        </p:spPr>
+        <p:txBody>
+          <a:bodyPr wrap="square" rtlCol="0">
+            <a:spAutoFit/>
+          </a:bodyPr>
+          <a:lstStyle/>
+          <a:p>
+            <a:pPr algn="ctr"/>
+            <a:r>
+              <a:rPr lang="fa-IR" sz="2000" dirty="0" smtClean="0">
+                <a:solidFill>
+                  <a:schemeClr val="bg1"/>
+                </a:solidFill>
+                <a:cs typeface="B Nazanin" panose="00000400000000000000" pitchFamily="2" charset="-78"/>
+              </a:rPr>
+              <a:t>شماره حساب: 123456789</a:t>
+            </a:r>
+          </a:p>
+          <a:p>
+            <a:pPr algn="ctr"/>
+            <a:r>
+              <a:rPr lang="fa-IR" sz="2000" dirty="0" smtClean="0">
+                <a:solidFill>
+                  <a:schemeClr val="bg1"/>
+                </a:solidFill>
+                <a:cs typeface="B Nazanin" panose="00000400000000000000" pitchFamily="2" charset="-78"/>
+              </a:rPr>
+              <a:t>شماره کارت: 123456789</a:t>
+            </a:r>
+          </a:p>
+          <a:p>
+            <a:pPr algn="ctr"/>
+            <a:r>
+              <a:rPr lang="fa-IR" sz="2000" dirty="0" smtClean="0">
+                <a:solidFill>
+                  <a:schemeClr val="bg1"/>
+                </a:solidFill>
+                <a:cs typeface="B Nazanin" panose="00000400000000000000" pitchFamily="2" charset="-78"/>
+              </a:rPr>
+              <a:t>تعداد اعضا:   3 نفر</a:t>
+            </a:r>
+          </a:p>
+          <a:p>
+            <a:pPr algn="ctr"/>
+            <a:r>
+              <a:rPr lang="fa-IR" sz="2000" dirty="0" smtClean="0">
+                <a:solidFill>
+                  <a:schemeClr val="bg1"/>
+                </a:solidFill>
+                <a:cs typeface="B Nazanin" panose="00000400000000000000" pitchFamily="2" charset="-78"/>
+              </a:rPr>
+              <a:t>مدت دوره:  هرماه</a:t>
+            </a:r>
+          </a:p>
+          <a:p>
+            <a:pPr algn="ctr"/>
+            <a:r>
+              <a:rPr lang="fa-IR" sz="2000" dirty="0" smtClean="0">
+                <a:solidFill>
+                  <a:schemeClr val="bg1"/>
+                </a:solidFill>
+                <a:cs typeface="B Nazanin" panose="00000400000000000000" pitchFamily="2" charset="-78"/>
+              </a:rPr>
+              <a:t>مبلغ پرداختی:  200 تومن</a:t>
+            </a:r>
+          </a:p>
+          <a:p>
+            <a:pPr algn="ctr"/>
+            <a:r>
+              <a:rPr lang="fa-IR" sz="2000" dirty="0" smtClean="0">
+                <a:solidFill>
+                  <a:schemeClr val="bg1"/>
+                </a:solidFill>
+                <a:cs typeface="B Nazanin" panose="00000400000000000000" pitchFamily="2" charset="-78"/>
+              </a:rPr>
+              <a:t>موجودی: 500 تومن</a:t>
+            </a:r>
+          </a:p>
+          <a:p>
+            <a:pPr algn="ctr"/>
+            <a:r>
+              <a:rPr lang="fa-IR" sz="2000" dirty="0" smtClean="0">
+                <a:solidFill>
+                  <a:schemeClr val="bg1"/>
+                </a:solidFill>
+                <a:cs typeface="B Nazanin" panose="00000400000000000000" pitchFamily="2" charset="-78"/>
+              </a:rPr>
+              <a:t>تاریخ ایجاد:  95/4/21</a:t>
+            </a:r>
+          </a:p>
+          <a:p>
+            <a:pPr algn="ctr"/>
+            <a:endParaRPr lang="en-US" sz="2000" dirty="0">
+              <a:solidFill>
+                <a:schemeClr val="bg1"/>
+              </a:solidFill>
+              <a:cs typeface="B Nazanin" panose="00000400000000000000" pitchFamily="2" charset="-78"/>
+            </a:endParaRPr>
+          </a:p>
+        </p:txBody>
+      </p:sp>
+      <p:sp>
+        <p:nvSpPr>
+          <p:cNvPr id="33" name="Rectangle 32"/>
+          <p:cNvSpPr/>
+          <p:nvPr/>
+        </p:nvSpPr>
+        <p:spPr>
+          <a:xfrm>
+            <a:off x="3866147" y="4660227"/>
+            <a:ext cx="4684295" cy="449179"/>
+          </a:xfrm>
+          <a:prstGeom prst="rect">
+            <a:avLst/>
+          </a:prstGeom>
+          <a:solidFill>
+            <a:schemeClr val="bg2">
+              <a:lumMod val="90000"/>
+            </a:schemeClr>
+          </a:solidFill>
+          <a:ln>
+            <a:solidFill>
+              <a:schemeClr val="accent2">
+                <a:lumMod val="50000"/>
+              </a:schemeClr>
+            </a:solidFill>
+          </a:ln>
+        </p:spPr>
+        <p:style>
+          <a:lnRef idx="2">
+            <a:schemeClr val="accent1">
+              <a:shade val="50000"/>
+            </a:schemeClr>
+          </a:lnRef>
+          <a:fillRef idx="1">
+            <a:schemeClr val="accent1"/>
+          </a:fillRef>
+          <a:effectRef idx="0">
+            <a:schemeClr val="accent1"/>
+          </a:effectRef>
+          <a:fontRef idx="minor">
+            <a:schemeClr val="lt1"/>
+          </a:fontRef>
+        </p:style>
+        <p:txBody>
+          <a:bodyPr rtlCol="0" anchor="ctr"/>
+          <a:lstStyle/>
+          <a:p>
+            <a:pPr algn="ctr"/>
+            <a:r>
+              <a:rPr lang="fa-IR" sz="2000" dirty="0" smtClean="0">
+                <a:solidFill>
+                  <a:schemeClr val="tx1"/>
+                </a:solidFill>
+                <a:cs typeface="B Nazanin" panose="00000400000000000000" pitchFamily="2" charset="-78"/>
+              </a:rPr>
+              <a:t>درخواست وام</a:t>
+            </a:r>
+            <a:endParaRPr lang="en-US" sz="2000" dirty="0">
+              <a:solidFill>
+                <a:schemeClr val="tx1"/>
+              </a:solidFill>
+              <a:cs typeface="B Nazanin" panose="00000400000000000000" pitchFamily="2" charset="-78"/>
+            </a:endParaRPr>
+          </a:p>
+        </p:txBody>
+      </p:sp>
+      <p:sp>
+        <p:nvSpPr>
+          <p:cNvPr id="5" name="Right Arrow 4"/>
+          <p:cNvSpPr/>
+          <p:nvPr/>
+        </p:nvSpPr>
+        <p:spPr>
+          <a:xfrm rot="10800000">
+            <a:off x="4042611" y="316648"/>
+            <a:ext cx="513347" cy="377355"/>
+          </a:xfrm>
+          <a:prstGeom prst="rightArrow">
+            <a:avLst/>
+          </a:prstGeom>
+        </p:spPr>
+        <p:style>
+          <a:lnRef idx="2">
+            <a:schemeClr val="accent1">
+              <a:shade val="50000"/>
+            </a:schemeClr>
+          </a:lnRef>
+          <a:fillRef idx="1">
+            <a:schemeClr val="accent1"/>
+          </a:fillRef>
+          <a:effectRef idx="0">
+            <a:schemeClr val="accent1"/>
+          </a:effectRef>
+          <a:fontRef idx="minor">
+            <a:schemeClr val="lt1"/>
+          </a:fontRef>
+        </p:style>
+        <p:txBody>
+          <a:bodyPr rtlCol="0" anchor="ctr"/>
+          <a:lstStyle/>
+          <a:p>
+            <a:pPr algn="ctr"/>
+            <a:endParaRPr lang="en-US"/>
+          </a:p>
+        </p:txBody>
+      </p:sp>
+      <p:sp>
+        <p:nvSpPr>
+          <p:cNvPr id="2" name="Oval 1"/>
+          <p:cNvSpPr/>
+          <p:nvPr/>
+        </p:nvSpPr>
+        <p:spPr>
+          <a:xfrm>
+            <a:off x="8357937" y="192505"/>
+            <a:ext cx="80210" cy="124143"/>
+          </a:xfrm>
+          <a:prstGeom prst="ellipse">
+            <a:avLst/>
+          </a:prstGeom>
+          <a:solidFill>
+            <a:schemeClr val="tx1"/>
+          </a:solidFill>
+        </p:spPr>
+        <p:style>
+          <a:lnRef idx="2">
+            <a:schemeClr val="accent1">
+              <a:shade val="50000"/>
+            </a:schemeClr>
+          </a:lnRef>
+          <a:fillRef idx="1">
+            <a:schemeClr val="accent1"/>
+          </a:fillRef>
+          <a:effectRef idx="0">
+            <a:schemeClr val="accent1"/>
+          </a:effectRef>
+          <a:fontRef idx="minor">
+            <a:schemeClr val="lt1"/>
+          </a:fontRef>
+        </p:style>
+        <p:txBody>
+          <a:bodyPr rtlCol="0" anchor="ctr"/>
+          <a:lstStyle/>
+          <a:p>
+            <a:pPr algn="ctr"/>
+            <a:endParaRPr lang="en-US"/>
+          </a:p>
+        </p:txBody>
+      </p:sp>
+      <p:sp>
+        <p:nvSpPr>
+          <p:cNvPr id="11" name="Oval 10"/>
+          <p:cNvSpPr/>
+          <p:nvPr/>
+        </p:nvSpPr>
+        <p:spPr>
+          <a:xfrm>
+            <a:off x="8349917" y="376989"/>
+            <a:ext cx="80210" cy="124143"/>
+          </a:xfrm>
+          <a:prstGeom prst="ellipse">
+            <a:avLst/>
+          </a:prstGeom>
+          <a:solidFill>
+            <a:schemeClr val="tx1"/>
+          </a:solidFill>
+        </p:spPr>
+        <p:style>
+          <a:lnRef idx="2">
+            <a:schemeClr val="accent1">
+              <a:shade val="50000"/>
+            </a:schemeClr>
+          </a:lnRef>
+          <a:fillRef idx="1">
+            <a:schemeClr val="accent1"/>
+          </a:fillRef>
+          <a:effectRef idx="0">
+            <a:schemeClr val="accent1"/>
+          </a:effectRef>
+          <a:fontRef idx="minor">
+            <a:schemeClr val="lt1"/>
+          </a:fontRef>
+        </p:style>
+        <p:txBody>
+          <a:bodyPr rtlCol="0" anchor="ctr"/>
+          <a:lstStyle/>
+          <a:p>
+            <a:pPr algn="ctr"/>
+            <a:endParaRPr lang="en-US"/>
+          </a:p>
+        </p:txBody>
+      </p:sp>
+      <p:sp>
+        <p:nvSpPr>
+          <p:cNvPr id="12" name="Oval 11"/>
+          <p:cNvSpPr/>
+          <p:nvPr/>
+        </p:nvSpPr>
+        <p:spPr>
+          <a:xfrm>
+            <a:off x="8349917" y="537409"/>
+            <a:ext cx="80210" cy="124143"/>
+          </a:xfrm>
+          <a:prstGeom prst="ellipse">
+            <a:avLst/>
+          </a:prstGeom>
+          <a:solidFill>
+            <a:schemeClr val="tx1"/>
+          </a:solidFill>
+        </p:spPr>
+        <p:style>
+          <a:lnRef idx="2">
+            <a:schemeClr val="accent1">
+              <a:shade val="50000"/>
+            </a:schemeClr>
+          </a:lnRef>
+          <a:fillRef idx="1">
+            <a:schemeClr val="accent1"/>
+          </a:fillRef>
+          <a:effectRef idx="0">
+            <a:schemeClr val="accent1"/>
+          </a:effectRef>
+          <a:fontRef idx="minor">
+            <a:schemeClr val="lt1"/>
+          </a:fontRef>
+        </p:style>
+        <p:txBody>
+          <a:bodyPr rtlCol="0" anchor="ctr"/>
+          <a:lstStyle/>
+          <a:p>
+            <a:pPr algn="ctr"/>
+            <a:endParaRPr lang="en-US"/>
+          </a:p>
+        </p:txBody>
+      </p:sp>
+      <p:sp>
+        <p:nvSpPr>
+          <p:cNvPr id="14" name="Rectangle 13"/>
+          <p:cNvSpPr/>
+          <p:nvPr/>
+        </p:nvSpPr>
+        <p:spPr>
+          <a:xfrm>
+            <a:off x="6224337" y="661549"/>
+            <a:ext cx="2342147" cy="456838"/>
+          </a:xfrm>
+          <a:prstGeom prst="rect">
+            <a:avLst/>
+          </a:prstGeom>
+          <a:solidFill>
+            <a:schemeClr val="bg2">
+              <a:lumMod val="90000"/>
+            </a:schemeClr>
+          </a:solidFill>
+          <a:ln>
+            <a:solidFill>
+              <a:schemeClr val="accent2">
+                <a:lumMod val="50000"/>
+              </a:schemeClr>
+            </a:solidFill>
+          </a:ln>
+        </p:spPr>
+        <p:style>
+          <a:lnRef idx="2">
+            <a:schemeClr val="accent1">
+              <a:shade val="50000"/>
+            </a:schemeClr>
+          </a:lnRef>
+          <a:fillRef idx="1">
+            <a:schemeClr val="accent1"/>
+          </a:fillRef>
+          <a:effectRef idx="0">
+            <a:schemeClr val="accent1"/>
+          </a:effectRef>
+          <a:fontRef idx="minor">
+            <a:schemeClr val="lt1"/>
+          </a:fontRef>
+        </p:style>
+        <p:txBody>
+          <a:bodyPr rtlCol="0" anchor="ctr"/>
+          <a:lstStyle/>
+          <a:p>
+            <a:pPr algn="ctr"/>
+            <a:r>
+              <a:rPr lang="fa-IR" sz="2000" dirty="0" smtClean="0">
+                <a:solidFill>
+                  <a:schemeClr val="tx1"/>
+                </a:solidFill>
+                <a:cs typeface="B Nazanin" panose="00000400000000000000" pitchFamily="2" charset="-78"/>
+              </a:rPr>
+              <a:t>ویرایش اطلاعات</a:t>
+            </a:r>
+            <a:endParaRPr lang="en-US" sz="2000" dirty="0">
+              <a:solidFill>
+                <a:schemeClr val="tx1"/>
+              </a:solidFill>
+              <a:cs typeface="B Nazanin" panose="00000400000000000000" pitchFamily="2" charset="-78"/>
+            </a:endParaRPr>
+          </a:p>
+        </p:txBody>
+      </p:sp>
+      <p:sp>
+        <p:nvSpPr>
+          <p:cNvPr id="15" name="Rectangle 14"/>
+          <p:cNvSpPr/>
+          <p:nvPr/>
+        </p:nvSpPr>
+        <p:spPr>
+          <a:xfrm>
+            <a:off x="6224337" y="1118387"/>
+            <a:ext cx="2342147" cy="456838"/>
+          </a:xfrm>
+          <a:prstGeom prst="rect">
+            <a:avLst/>
+          </a:prstGeom>
+          <a:solidFill>
+            <a:schemeClr val="bg2">
+              <a:lumMod val="90000"/>
+            </a:schemeClr>
+          </a:solidFill>
+          <a:ln>
+            <a:solidFill>
+              <a:schemeClr val="accent2">
+                <a:lumMod val="50000"/>
+              </a:schemeClr>
+            </a:solidFill>
+          </a:ln>
+        </p:spPr>
+        <p:style>
+          <a:lnRef idx="2">
+            <a:schemeClr val="accent1">
+              <a:shade val="50000"/>
+            </a:schemeClr>
+          </a:lnRef>
+          <a:fillRef idx="1">
+            <a:schemeClr val="accent1"/>
+          </a:fillRef>
+          <a:effectRef idx="0">
+            <a:schemeClr val="accent1"/>
+          </a:effectRef>
+          <a:fontRef idx="minor">
+            <a:schemeClr val="lt1"/>
+          </a:fontRef>
+        </p:style>
+        <p:txBody>
+          <a:bodyPr rtlCol="0" anchor="ctr"/>
+          <a:lstStyle/>
+          <a:p>
+            <a:pPr algn="ctr"/>
+            <a:r>
+              <a:rPr lang="fa-IR" sz="2000" dirty="0" smtClean="0">
+                <a:solidFill>
+                  <a:schemeClr val="tx1"/>
+                </a:solidFill>
+                <a:cs typeface="B Nazanin" panose="00000400000000000000" pitchFamily="2" charset="-78"/>
+              </a:rPr>
+              <a:t>اعضا</a:t>
+            </a:r>
+            <a:endParaRPr lang="en-US" sz="2000" dirty="0">
+              <a:solidFill>
+                <a:schemeClr val="tx1"/>
+              </a:solidFill>
+              <a:cs typeface="B Nazanin" panose="00000400000000000000" pitchFamily="2" charset="-78"/>
+            </a:endParaRPr>
+          </a:p>
+        </p:txBody>
+      </p:sp>
+      <p:sp>
+        <p:nvSpPr>
+          <p:cNvPr id="16" name="Rectangle 15"/>
+          <p:cNvSpPr/>
+          <p:nvPr/>
+        </p:nvSpPr>
+        <p:spPr>
+          <a:xfrm>
+            <a:off x="6224337" y="1566924"/>
+            <a:ext cx="2342147" cy="625556"/>
+          </a:xfrm>
+          <a:prstGeom prst="rect">
+            <a:avLst/>
+          </a:prstGeom>
+          <a:solidFill>
+            <a:schemeClr val="bg2">
+              <a:lumMod val="90000"/>
+            </a:schemeClr>
+          </a:solidFill>
+          <a:ln>
+            <a:solidFill>
+              <a:schemeClr val="accent2">
+                <a:lumMod val="50000"/>
+              </a:schemeClr>
+            </a:solidFill>
+          </a:ln>
+        </p:spPr>
+        <p:style>
+          <a:lnRef idx="2">
+            <a:schemeClr val="accent1">
+              <a:shade val="50000"/>
+            </a:schemeClr>
+          </a:lnRef>
+          <a:fillRef idx="1">
+            <a:schemeClr val="accent1"/>
+          </a:fillRef>
+          <a:effectRef idx="0">
+            <a:schemeClr val="accent1"/>
+          </a:effectRef>
+          <a:fontRef idx="minor">
+            <a:schemeClr val="lt1"/>
+          </a:fontRef>
+        </p:style>
+        <p:txBody>
+          <a:bodyPr rtlCol="0" anchor="ctr"/>
+          <a:lstStyle/>
+          <a:p>
+            <a:pPr algn="ctr"/>
+            <a:r>
+              <a:rPr lang="fa-IR" sz="2000" dirty="0" smtClean="0">
+                <a:solidFill>
+                  <a:schemeClr val="tx1"/>
+                </a:solidFill>
+                <a:cs typeface="B Nazanin" panose="00000400000000000000" pitchFamily="2" charset="-78"/>
+              </a:rPr>
+              <a:t>مبلغ وام هایی که دست اعضاست</a:t>
+            </a:r>
+            <a:endParaRPr lang="en-US" sz="2000" dirty="0">
+              <a:solidFill>
+                <a:schemeClr val="tx1"/>
+              </a:solidFill>
+              <a:cs typeface="B Nazanin" panose="00000400000000000000" pitchFamily="2" charset="-78"/>
+            </a:endParaRPr>
+          </a:p>
+        </p:txBody>
+      </p:sp>
+    </p:spTree>
+    <p:extLst>
+      <p:ext uri="{BB962C8B-B14F-4D97-AF65-F5344CB8AC3E}">
+        <p14:creationId xmlns:p14="http://schemas.microsoft.com/office/powerpoint/2010/main" val="2684461501"/>
       </p:ext>
     </p:extLst>
   </p:cSld>

--- a/prototype.pptx
+++ b/prototype.pptx
@@ -4616,13 +4616,13 @@
       </p:sp>
       <p:sp>
         <p:nvSpPr>
-          <p:cNvPr id="3" name="Rectangle 2"/>
+          <p:cNvPr id="31" name="Rectangle 30"/>
           <p:cNvSpPr/>
           <p:nvPr/>
         </p:nvSpPr>
         <p:spPr>
           <a:xfrm>
-            <a:off x="3874168" y="5109408"/>
+            <a:off x="3866147" y="5510824"/>
             <a:ext cx="4684295" cy="449179"/>
           </a:xfrm>
           <a:prstGeom prst="rect">
@@ -4669,7 +4669,7 @@
                 </a:solidFill>
                 <a:cs typeface="B Nazanin" panose="00000400000000000000" pitchFamily="2" charset="-78"/>
               </a:rPr>
-              <a:t>اعضا</a:t>
+              <a:t>گزارش (سابقه)</a:t>
             </a:r>
             <a:endParaRPr lang="en-US" sz="2000" dirty="0">
               <a:solidFill>
@@ -4682,13 +4682,129 @@
       </p:sp>
       <p:sp>
         <p:nvSpPr>
-          <p:cNvPr id="30" name="Rectangle 29"/>
+          <p:cNvPr id="32" name="TextBox 31"/>
+          <p:cNvSpPr txBox="1"/>
+          <p:nvPr/>
+        </p:nvSpPr>
+        <p:spPr>
+          <a:xfrm>
+            <a:off x="4042611" y="1627908"/>
+            <a:ext cx="4164928" cy="2554545"/>
+          </a:xfrm>
+          <a:prstGeom prst="rect">
+            <a:avLst/>
+          </a:prstGeom>
+          <a:noFill/>
+        </p:spPr>
+        <p:txBody>
+          <a:bodyPr wrap="square" rtlCol="0">
+            <a:spAutoFit/>
+          </a:bodyPr>
+          <a:lstStyle/>
+          <a:p>
+            <a:pPr algn="ctr"/>
+            <a:r>
+              <a:rPr lang="fa-IR" sz="2000" dirty="0" smtClean="0">
+                <a:solidFill>
+                  <a:schemeClr val="bg1"/>
+                </a:solidFill>
+                <a:cs typeface="B Nazanin" panose="00000400000000000000" pitchFamily="2" charset="-78"/>
+              </a:rPr>
+              <a:t>شماره حساب: 123456789</a:t>
+            </a:r>
+          </a:p>
+          <a:p>
+            <a:pPr algn="ctr"/>
+            <a:r>
+              <a:rPr lang="fa-IR" sz="2000" dirty="0" smtClean="0">
+                <a:solidFill>
+                  <a:schemeClr val="bg1"/>
+                </a:solidFill>
+                <a:cs typeface="B Nazanin" panose="00000400000000000000" pitchFamily="2" charset="-78"/>
+              </a:rPr>
+              <a:t>شماره کارت: 123456789</a:t>
+            </a:r>
+          </a:p>
+          <a:p>
+            <a:pPr algn="ctr"/>
+            <a:r>
+              <a:rPr lang="fa-IR" sz="2000" dirty="0" smtClean="0">
+                <a:solidFill>
+                  <a:schemeClr val="bg1"/>
+                </a:solidFill>
+                <a:cs typeface="B Nazanin" panose="00000400000000000000" pitchFamily="2" charset="-78"/>
+              </a:rPr>
+              <a:t>تعداد اعضا:   3 نفر</a:t>
+            </a:r>
+          </a:p>
+          <a:p>
+            <a:pPr algn="ctr"/>
+            <a:r>
+              <a:rPr lang="fa-IR" sz="2000" dirty="0" smtClean="0">
+                <a:solidFill>
+                  <a:schemeClr val="bg1"/>
+                </a:solidFill>
+                <a:cs typeface="B Nazanin" panose="00000400000000000000" pitchFamily="2" charset="-78"/>
+              </a:rPr>
+              <a:t>مدت دوره:  هرماه</a:t>
+            </a:r>
+          </a:p>
+          <a:p>
+            <a:pPr algn="ctr"/>
+            <a:r>
+              <a:rPr lang="fa-IR" sz="2000" dirty="0" smtClean="0">
+                <a:solidFill>
+                  <a:schemeClr val="bg1"/>
+                </a:solidFill>
+                <a:cs typeface="B Nazanin" panose="00000400000000000000" pitchFamily="2" charset="-78"/>
+              </a:rPr>
+              <a:t>مبلغ پرداختی:  200 تومن</a:t>
+            </a:r>
+          </a:p>
+          <a:p>
+            <a:pPr algn="ctr"/>
+            <a:r>
+              <a:rPr lang="fa-IR" sz="2000" dirty="0" smtClean="0">
+                <a:solidFill>
+                  <a:schemeClr val="bg1"/>
+                </a:solidFill>
+                <a:cs typeface="B Nazanin" panose="00000400000000000000" pitchFamily="2" charset="-78"/>
+              </a:rPr>
+              <a:t>موجودی: 500 تومن</a:t>
+            </a:r>
+          </a:p>
+          <a:p>
+            <a:pPr algn="ctr"/>
+            <a:r>
+              <a:rPr lang="fa-IR" sz="2000" dirty="0" smtClean="0">
+                <a:solidFill>
+                  <a:schemeClr val="bg1"/>
+                </a:solidFill>
+                <a:cs typeface="B Nazanin" panose="00000400000000000000" pitchFamily="2" charset="-78"/>
+              </a:rPr>
+              <a:t>تاریخ ایجاد:  95/4/21</a:t>
+            </a:r>
+          </a:p>
+          <a:p>
+            <a:pPr algn="ctr"/>
+            <a:endParaRPr lang="en-US" sz="2000" dirty="0">
+              <a:solidFill>
+                <a:schemeClr val="bg1"/>
+              </a:solidFill>
+              <a:cs typeface="B Nazanin" panose="00000400000000000000" pitchFamily="2" charset="-78"/>
+            </a:endParaRPr>
+          </a:p>
+        </p:txBody>
+      </p:sp>
+      <p:sp>
+        <p:nvSpPr>
+          <p:cNvPr id="33" name="Rectangle 32"/>
           <p:cNvSpPr/>
           <p:nvPr/>
         </p:nvSpPr>
         <p:spPr>
           <a:xfrm>
-            <a:off x="3874168" y="5558587"/>
+            <a:off x="3866146" y="5049066"/>
             <a:ext cx="4684295" cy="449179"/>
           </a:xfrm>
           <a:prstGeom prst="rect">
@@ -4735,7 +4851,7 @@
                 </a:solidFill>
                 <a:cs typeface="B Nazanin" panose="00000400000000000000" pitchFamily="2" charset="-78"/>
               </a:rPr>
-              <a:t>مبلغ وام هایی که دست اعضا هست</a:t>
+              <a:t>پرداخت قسط</a:t>
             </a:r>
             <a:endParaRPr lang="en-US" sz="2000" dirty="0">
               <a:solidFill>
@@ -4748,14 +4864,183 @@
       </p:sp>
       <p:sp>
         <p:nvSpPr>
-          <p:cNvPr id="31" name="Rectangle 30"/>
+          <p:cNvPr id="5" name="Right Arrow 4"/>
           <p:cNvSpPr/>
           <p:nvPr/>
         </p:nvSpPr>
         <p:spPr>
-          <a:xfrm>
-            <a:off x="3874168" y="6007766"/>
-            <a:ext cx="4684295" cy="449179"/>
+          <a:xfrm rot="10800000">
+            <a:off x="4042611" y="316648"/>
+            <a:ext cx="513347" cy="377355"/>
+          </a:xfrm>
+          <a:prstGeom prst="rightArrow">
+            <a:avLst/>
+          </a:prstGeom>
+        </p:spPr>
+        <p:style>
+          <a:lnRef idx="2">
+            <a:schemeClr val="accent1">
+              <a:shade val="50000"/>
+            </a:schemeClr>
+          </a:lnRef>
+          <a:fillRef idx="1">
+            <a:schemeClr val="accent1"/>
+          </a:fillRef>
+          <a:effectRef idx="0">
+            <a:schemeClr val="accent1"/>
+          </a:effectRef>
+          <a:fontRef idx="minor">
+            <a:schemeClr val="lt1"/>
+          </a:fontRef>
+        </p:style>
+        <p:txBody>
+          <a:bodyPr rtlCol="0" anchor="ctr"/>
+          <a:lstStyle/>
+          <a:p>
+            <a:pPr algn="ctr"/>
+            <a:endParaRPr lang="en-US"/>
+          </a:p>
+        </p:txBody>
+      </p:sp>
+      <p:sp>
+        <p:nvSpPr>
+          <p:cNvPr id="36" name="Oval 35"/>
+          <p:cNvSpPr/>
+          <p:nvPr/>
+        </p:nvSpPr>
+        <p:spPr>
+          <a:xfrm>
+            <a:off x="8357937" y="192505"/>
+            <a:ext cx="80210" cy="124143"/>
+          </a:xfrm>
+          <a:prstGeom prst="ellipse">
+            <a:avLst/>
+          </a:prstGeom>
+          <a:solidFill>
+            <a:schemeClr val="tx1"/>
+          </a:solidFill>
+        </p:spPr>
+        <p:style>
+          <a:lnRef idx="2">
+            <a:schemeClr val="accent1">
+              <a:shade val="50000"/>
+            </a:schemeClr>
+          </a:lnRef>
+          <a:fillRef idx="1">
+            <a:schemeClr val="accent1"/>
+          </a:fillRef>
+          <a:effectRef idx="0">
+            <a:schemeClr val="accent1"/>
+          </a:effectRef>
+          <a:fontRef idx="minor">
+            <a:schemeClr val="lt1"/>
+          </a:fontRef>
+        </p:style>
+        <p:txBody>
+          <a:bodyPr rtlCol="0" anchor="ctr"/>
+          <a:lstStyle/>
+          <a:p>
+            <a:pPr algn="ctr"/>
+            <a:endParaRPr lang="en-US"/>
+          </a:p>
+        </p:txBody>
+      </p:sp>
+      <p:sp>
+        <p:nvSpPr>
+          <p:cNvPr id="37" name="Oval 36"/>
+          <p:cNvSpPr/>
+          <p:nvPr/>
+        </p:nvSpPr>
+        <p:spPr>
+          <a:xfrm>
+            <a:off x="8349917" y="376989"/>
+            <a:ext cx="80210" cy="124143"/>
+          </a:xfrm>
+          <a:prstGeom prst="ellipse">
+            <a:avLst/>
+          </a:prstGeom>
+          <a:solidFill>
+            <a:schemeClr val="tx1"/>
+          </a:solidFill>
+        </p:spPr>
+        <p:style>
+          <a:lnRef idx="2">
+            <a:schemeClr val="accent1">
+              <a:shade val="50000"/>
+            </a:schemeClr>
+          </a:lnRef>
+          <a:fillRef idx="1">
+            <a:schemeClr val="accent1"/>
+          </a:fillRef>
+          <a:effectRef idx="0">
+            <a:schemeClr val="accent1"/>
+          </a:effectRef>
+          <a:fontRef idx="minor">
+            <a:schemeClr val="lt1"/>
+          </a:fontRef>
+        </p:style>
+        <p:txBody>
+          <a:bodyPr rtlCol="0" anchor="ctr"/>
+          <a:lstStyle/>
+          <a:p>
+            <a:pPr algn="ctr"/>
+            <a:endParaRPr lang="en-US"/>
+          </a:p>
+        </p:txBody>
+      </p:sp>
+      <p:sp>
+        <p:nvSpPr>
+          <p:cNvPr id="38" name="Oval 37"/>
+          <p:cNvSpPr/>
+          <p:nvPr/>
+        </p:nvSpPr>
+        <p:spPr>
+          <a:xfrm>
+            <a:off x="8349917" y="537409"/>
+            <a:ext cx="80210" cy="124143"/>
+          </a:xfrm>
+          <a:prstGeom prst="ellipse">
+            <a:avLst/>
+          </a:prstGeom>
+          <a:solidFill>
+            <a:schemeClr val="tx1"/>
+          </a:solidFill>
+        </p:spPr>
+        <p:style>
+          <a:lnRef idx="2">
+            <a:schemeClr val="accent1">
+              <a:shade val="50000"/>
+            </a:schemeClr>
+          </a:lnRef>
+          <a:fillRef idx="1">
+            <a:schemeClr val="accent1"/>
+          </a:fillRef>
+          <a:effectRef idx="0">
+            <a:schemeClr val="accent1"/>
+          </a:effectRef>
+          <a:fontRef idx="minor">
+            <a:schemeClr val="lt1"/>
+          </a:fontRef>
+        </p:style>
+        <p:txBody>
+          <a:bodyPr rtlCol="0" anchor="ctr"/>
+          <a:lstStyle/>
+          <a:p>
+            <a:pPr algn="ctr"/>
+            <a:endParaRPr lang="en-US"/>
+          </a:p>
+        </p:txBody>
+      </p:sp>
+      <p:sp>
+        <p:nvSpPr>
+          <p:cNvPr id="39" name="Rectangle 38"/>
+          <p:cNvSpPr/>
+          <p:nvPr/>
+        </p:nvSpPr>
+        <p:spPr>
+          <a:xfrm>
+            <a:off x="6224337" y="661549"/>
+            <a:ext cx="2342147" cy="456838"/>
           </a:xfrm>
           <a:prstGeom prst="rect">
             <a:avLst/>
@@ -4801,7 +5086,7 @@
                 </a:solidFill>
                 <a:cs typeface="B Nazanin" panose="00000400000000000000" pitchFamily="2" charset="-78"/>
               </a:rPr>
-              <a:t>گزارش (سابقه)</a:t>
+              <a:t>ویرایش اطلاعات</a:t>
             </a:r>
             <a:endParaRPr lang="en-US" sz="2000" dirty="0">
               <a:solidFill>
@@ -4814,130 +5099,14 @@
       </p:sp>
       <p:sp>
         <p:nvSpPr>
-          <p:cNvPr id="32" name="TextBox 31"/>
-          <p:cNvSpPr txBox="1"/>
-          <p:nvPr/>
-        </p:nvSpPr>
-        <p:spPr>
-          <a:xfrm>
-            <a:off x="4042611" y="1627908"/>
-            <a:ext cx="4164928" cy="2554545"/>
-          </a:xfrm>
-          <a:prstGeom prst="rect">
-            <a:avLst/>
-          </a:prstGeom>
-          <a:noFill/>
-        </p:spPr>
-        <p:txBody>
-          <a:bodyPr wrap="square" rtlCol="0">
-            <a:spAutoFit/>
-          </a:bodyPr>
-          <a:lstStyle/>
-          <a:p>
-            <a:pPr algn="ctr"/>
-            <a:r>
-              <a:rPr lang="fa-IR" sz="2000" dirty="0" smtClean="0">
-                <a:solidFill>
-                  <a:schemeClr val="bg1"/>
-                </a:solidFill>
-                <a:cs typeface="B Nazanin" panose="00000400000000000000" pitchFamily="2" charset="-78"/>
-              </a:rPr>
-              <a:t>شماره حساب: 123456789</a:t>
-            </a:r>
-          </a:p>
-          <a:p>
-            <a:pPr algn="ctr"/>
-            <a:r>
-              <a:rPr lang="fa-IR" sz="2000" dirty="0" smtClean="0">
-                <a:solidFill>
-                  <a:schemeClr val="bg1"/>
-                </a:solidFill>
-                <a:cs typeface="B Nazanin" panose="00000400000000000000" pitchFamily="2" charset="-78"/>
-              </a:rPr>
-              <a:t>شماره کارت: 123456789</a:t>
-            </a:r>
-          </a:p>
-          <a:p>
-            <a:pPr algn="ctr"/>
-            <a:r>
-              <a:rPr lang="fa-IR" sz="2000" dirty="0" smtClean="0">
-                <a:solidFill>
-                  <a:schemeClr val="bg1"/>
-                </a:solidFill>
-                <a:cs typeface="B Nazanin" panose="00000400000000000000" pitchFamily="2" charset="-78"/>
-              </a:rPr>
-              <a:t>تعداد اعضا:   3 نفر</a:t>
-            </a:r>
-          </a:p>
-          <a:p>
-            <a:pPr algn="ctr"/>
-            <a:r>
-              <a:rPr lang="fa-IR" sz="2000" dirty="0" smtClean="0">
-                <a:solidFill>
-                  <a:schemeClr val="bg1"/>
-                </a:solidFill>
-                <a:cs typeface="B Nazanin" panose="00000400000000000000" pitchFamily="2" charset="-78"/>
-              </a:rPr>
-              <a:t>مدت دوره:  هرماه</a:t>
-            </a:r>
-          </a:p>
-          <a:p>
-            <a:pPr algn="ctr"/>
-            <a:r>
-              <a:rPr lang="fa-IR" sz="2000" dirty="0" smtClean="0">
-                <a:solidFill>
-                  <a:schemeClr val="bg1"/>
-                </a:solidFill>
-                <a:cs typeface="B Nazanin" panose="00000400000000000000" pitchFamily="2" charset="-78"/>
-              </a:rPr>
-              <a:t>مبلغ پرداختی:  200 تومن</a:t>
-            </a:r>
-          </a:p>
-          <a:p>
-            <a:pPr algn="ctr"/>
-            <a:r>
-              <a:rPr lang="fa-IR" sz="2000" dirty="0" smtClean="0">
-                <a:solidFill>
-                  <a:schemeClr val="bg1"/>
-                </a:solidFill>
-                <a:cs typeface="B Nazanin" panose="00000400000000000000" pitchFamily="2" charset="-78"/>
-              </a:rPr>
-              <a:t>موجودی: 500 تومن</a:t>
-            </a:r>
-          </a:p>
-          <a:p>
-            <a:pPr algn="ctr"/>
-            <a:r>
-              <a:rPr lang="fa-IR" sz="2000" dirty="0" smtClean="0">
-                <a:solidFill>
-                  <a:schemeClr val="bg1"/>
-                </a:solidFill>
-                <a:cs typeface="B Nazanin" panose="00000400000000000000" pitchFamily="2" charset="-78"/>
-              </a:rPr>
-              <a:t>تاریخ ایجاد:  95/4/21</a:t>
-            </a:r>
-          </a:p>
-          <a:p>
-            <a:pPr algn="ctr"/>
-            <a:endParaRPr lang="en-US" sz="2000" dirty="0">
-              <a:solidFill>
-                <a:schemeClr val="bg1"/>
-              </a:solidFill>
-              <a:cs typeface="B Nazanin" panose="00000400000000000000" pitchFamily="2" charset="-78"/>
-            </a:endParaRPr>
-          </a:p>
-        </p:txBody>
-      </p:sp>
-      <p:sp>
-        <p:nvSpPr>
-          <p:cNvPr id="33" name="Rectangle 32"/>
+          <p:cNvPr id="40" name="Rectangle 39"/>
           <p:cNvSpPr/>
           <p:nvPr/>
         </p:nvSpPr>
         <p:spPr>
           <a:xfrm>
-            <a:off x="3866147" y="4660227"/>
-            <a:ext cx="4684295" cy="449179"/>
+            <a:off x="6224337" y="1118387"/>
+            <a:ext cx="2342147" cy="456838"/>
           </a:xfrm>
           <a:prstGeom prst="rect">
             <a:avLst/>
@@ -4983,113 +5152,7 @@
                 </a:solidFill>
                 <a:cs typeface="B Nazanin" panose="00000400000000000000" pitchFamily="2" charset="-78"/>
               </a:rPr>
-              <a:t>پرداخت قسط</a:t>
-            </a:r>
-            <a:endParaRPr lang="en-US" sz="2000" dirty="0">
-              <a:solidFill>
-                <a:schemeClr val="tx1"/>
-              </a:solidFill>
-              <a:cs typeface="B Nazanin" panose="00000400000000000000" pitchFamily="2" charset="-78"/>
-            </a:endParaRPr>
-          </a:p>
-        </p:txBody>
-      </p:sp>
-      <p:sp>
-        <p:nvSpPr>
-          <p:cNvPr id="5" name="Right Arrow 4"/>
-          <p:cNvSpPr/>
-          <p:nvPr/>
-        </p:nvSpPr>
-        <p:spPr>
-          <a:xfrm rot="10800000">
-            <a:off x="4042611" y="316648"/>
-            <a:ext cx="513347" cy="377355"/>
-          </a:xfrm>
-          <a:prstGeom prst="rightArrow">
-            <a:avLst/>
-          </a:prstGeom>
-        </p:spPr>
-        <p:style>
-          <a:lnRef idx="2">
-            <a:schemeClr val="accent1">
-              <a:shade val="50000"/>
-            </a:schemeClr>
-          </a:lnRef>
-          <a:fillRef idx="1">
-            <a:schemeClr val="accent1"/>
-          </a:fillRef>
-          <a:effectRef idx="0">
-            <a:schemeClr val="accent1"/>
-          </a:effectRef>
-          <a:fontRef idx="minor">
-            <a:schemeClr val="lt1"/>
-          </a:fontRef>
-        </p:style>
-        <p:txBody>
-          <a:bodyPr rtlCol="0" anchor="ctr"/>
-          <a:lstStyle/>
-          <a:p>
-            <a:pPr algn="ctr"/>
-            <a:endParaRPr lang="en-US"/>
-          </a:p>
-        </p:txBody>
-      </p:sp>
-      <p:sp>
-        <p:nvSpPr>
-          <p:cNvPr id="35" name="Rectangle 34"/>
-          <p:cNvSpPr/>
-          <p:nvPr/>
-        </p:nvSpPr>
-        <p:spPr>
-          <a:xfrm>
-            <a:off x="3866147" y="6432883"/>
-            <a:ext cx="4684295" cy="449179"/>
-          </a:xfrm>
-          <a:prstGeom prst="rect">
-            <a:avLst/>
-          </a:prstGeom>
-          <a:solidFill>
-            <a:schemeClr val="bg2">
-              <a:lumMod val="90000"/>
-            </a:schemeClr>
-          </a:solidFill>
-          <a:ln>
-            <a:solidFill>
-              <a:schemeClr val="accent2">
-                <a:lumMod val="50000"/>
-              </a:schemeClr>
-            </a:solidFill>
-          </a:ln>
-        </p:spPr>
-        <p:style>
-          <a:lnRef idx="2">
-            <a:schemeClr val="accent1">
-              <a:shade val="50000"/>
-            </a:schemeClr>
-          </a:lnRef>
-          <a:fillRef idx="1">
-            <a:schemeClr val="accent1"/>
-          </a:fillRef>
-          <a:effectRef idx="0">
-            <a:schemeClr val="accent1"/>
-          </a:effectRef>
-          <a:fontRef idx="minor">
-            <a:schemeClr val="lt1"/>
-          </a:fontRef>
-        </p:style>
-        <p:txBody>
-          <a:bodyPr rtlCol="0" anchor="ctr"/>
-          <a:lstStyle/>
-          <a:p>
-            <a:pPr algn="ctr"/>
-            <a:r>
-              <a:rPr lang="fa-IR" sz="2000" dirty="0" smtClean="0">
-                <a:solidFill>
-                  <a:schemeClr val="tx1"/>
-                </a:solidFill>
-                <a:cs typeface="B Nazanin" panose="00000400000000000000" pitchFamily="2" charset="-78"/>
-              </a:rPr>
-              <a:t>ویرایش اطلاعات</a:t>
+              <a:t>اعضا</a:t>
             </a:r>
             <a:endParaRPr lang="en-US" sz="2000" dirty="0">
               <a:solidFill>
@@ -8394,6 +8457,96 @@
           </a:p>
         </p:txBody>
       </p:sp>
+      <p:sp>
+        <p:nvSpPr>
+          <p:cNvPr id="40" name="Oval 39"/>
+          <p:cNvSpPr/>
+          <p:nvPr/>
+        </p:nvSpPr>
+        <p:spPr>
+          <a:xfrm>
+            <a:off x="3920732" y="5566611"/>
+            <a:ext cx="737937" cy="705852"/>
+          </a:xfrm>
+          <a:prstGeom prst="ellipse">
+            <a:avLst/>
+          </a:prstGeom>
+          <a:solidFill>
+            <a:schemeClr val="bg2">
+              <a:lumMod val="90000"/>
+            </a:schemeClr>
+          </a:solidFill>
+        </p:spPr>
+        <p:style>
+          <a:lnRef idx="2">
+            <a:schemeClr val="accent1">
+              <a:shade val="50000"/>
+            </a:schemeClr>
+          </a:lnRef>
+          <a:fillRef idx="1">
+            <a:schemeClr val="accent1"/>
+          </a:fillRef>
+          <a:effectRef idx="0">
+            <a:schemeClr val="accent1"/>
+          </a:effectRef>
+          <a:fontRef idx="minor">
+            <a:schemeClr val="lt1"/>
+          </a:fontRef>
+        </p:style>
+        <p:txBody>
+          <a:bodyPr rtlCol="0" anchor="ctr"/>
+          <a:lstStyle/>
+          <a:p>
+            <a:pPr algn="ctr"/>
+            <a:endParaRPr lang="en-US"/>
+          </a:p>
+        </p:txBody>
+      </p:sp>
+      <p:sp>
+        <p:nvSpPr>
+          <p:cNvPr id="41" name="Right Arrow 40"/>
+          <p:cNvSpPr/>
+          <p:nvPr/>
+        </p:nvSpPr>
+        <p:spPr>
+          <a:xfrm rot="10800000">
+            <a:off x="3983899" y="5759116"/>
+            <a:ext cx="601580" cy="320842"/>
+          </a:xfrm>
+          <a:prstGeom prst="rightArrow">
+            <a:avLst/>
+          </a:prstGeom>
+          <a:solidFill>
+            <a:schemeClr val="accent6">
+              <a:lumMod val="75000"/>
+            </a:schemeClr>
+          </a:solidFill>
+        </p:spPr>
+        <p:style>
+          <a:lnRef idx="2">
+            <a:schemeClr val="accent1">
+              <a:shade val="50000"/>
+            </a:schemeClr>
+          </a:lnRef>
+          <a:fillRef idx="1">
+            <a:schemeClr val="accent1"/>
+          </a:fillRef>
+          <a:effectRef idx="0">
+            <a:schemeClr val="accent1"/>
+          </a:effectRef>
+          <a:fontRef idx="minor">
+            <a:schemeClr val="lt1"/>
+          </a:fontRef>
+        </p:style>
+        <p:txBody>
+          <a:bodyPr rtlCol="0" anchor="ctr"/>
+          <a:lstStyle/>
+          <a:p>
+            <a:pPr algn="ctr"/>
+            <a:endParaRPr lang="en-US"/>
+          </a:p>
+        </p:txBody>
+      </p:sp>
     </p:spTree>
     <p:extLst>
       <p:ext uri="{BB962C8B-B14F-4D97-AF65-F5344CB8AC3E}">
@@ -9650,6 +9803,96 @@
           </a:p>
         </p:txBody>
       </p:sp>
+      <p:sp>
+        <p:nvSpPr>
+          <p:cNvPr id="40" name="Oval 39"/>
+          <p:cNvSpPr/>
+          <p:nvPr/>
+        </p:nvSpPr>
+        <p:spPr>
+          <a:xfrm>
+            <a:off x="3920732" y="5566611"/>
+            <a:ext cx="737937" cy="705852"/>
+          </a:xfrm>
+          <a:prstGeom prst="ellipse">
+            <a:avLst/>
+          </a:prstGeom>
+          <a:solidFill>
+            <a:schemeClr val="bg2">
+              <a:lumMod val="90000"/>
+            </a:schemeClr>
+          </a:solidFill>
+        </p:spPr>
+        <p:style>
+          <a:lnRef idx="2">
+            <a:schemeClr val="accent1">
+              <a:shade val="50000"/>
+            </a:schemeClr>
+          </a:lnRef>
+          <a:fillRef idx="1">
+            <a:schemeClr val="accent1"/>
+          </a:fillRef>
+          <a:effectRef idx="0">
+            <a:schemeClr val="accent1"/>
+          </a:effectRef>
+          <a:fontRef idx="minor">
+            <a:schemeClr val="lt1"/>
+          </a:fontRef>
+        </p:style>
+        <p:txBody>
+          <a:bodyPr rtlCol="0" anchor="ctr"/>
+          <a:lstStyle/>
+          <a:p>
+            <a:pPr algn="ctr"/>
+            <a:endParaRPr lang="en-US"/>
+          </a:p>
+        </p:txBody>
+      </p:sp>
+      <p:sp>
+        <p:nvSpPr>
+          <p:cNvPr id="41" name="Right Arrow 40"/>
+          <p:cNvSpPr/>
+          <p:nvPr/>
+        </p:nvSpPr>
+        <p:spPr>
+          <a:xfrm rot="10800000">
+            <a:off x="3983899" y="5759116"/>
+            <a:ext cx="601580" cy="320842"/>
+          </a:xfrm>
+          <a:prstGeom prst="rightArrow">
+            <a:avLst/>
+          </a:prstGeom>
+          <a:solidFill>
+            <a:schemeClr val="accent6">
+              <a:lumMod val="75000"/>
+            </a:schemeClr>
+          </a:solidFill>
+        </p:spPr>
+        <p:style>
+          <a:lnRef idx="2">
+            <a:schemeClr val="accent1">
+              <a:shade val="50000"/>
+            </a:schemeClr>
+          </a:lnRef>
+          <a:fillRef idx="1">
+            <a:schemeClr val="accent1"/>
+          </a:fillRef>
+          <a:effectRef idx="0">
+            <a:schemeClr val="accent1"/>
+          </a:effectRef>
+          <a:fontRef idx="minor">
+            <a:schemeClr val="lt1"/>
+          </a:fontRef>
+        </p:style>
+        <p:txBody>
+          <a:bodyPr rtlCol="0" anchor="ctr"/>
+          <a:lstStyle/>
+          <a:p>
+            <a:pPr algn="ctr"/>
+            <a:endParaRPr lang="en-US"/>
+          </a:p>
+        </p:txBody>
+      </p:sp>
     </p:spTree>
     <p:extLst>
       <p:ext uri="{BB962C8B-B14F-4D97-AF65-F5344CB8AC3E}">
@@ -10648,6 +10891,96 @@
               </a:solidFill>
               <a:cs typeface="B Nazanin" panose="00000400000000000000" pitchFamily="2" charset="-78"/>
             </a:endParaRPr>
+          </a:p>
+        </p:txBody>
+      </p:sp>
+      <p:sp>
+        <p:nvSpPr>
+          <p:cNvPr id="30" name="Oval 29"/>
+          <p:cNvSpPr/>
+          <p:nvPr/>
+        </p:nvSpPr>
+        <p:spPr>
+          <a:xfrm>
+            <a:off x="3920732" y="5566611"/>
+            <a:ext cx="737937" cy="705852"/>
+          </a:xfrm>
+          <a:prstGeom prst="ellipse">
+            <a:avLst/>
+          </a:prstGeom>
+          <a:solidFill>
+            <a:schemeClr val="bg2">
+              <a:lumMod val="90000"/>
+            </a:schemeClr>
+          </a:solidFill>
+        </p:spPr>
+        <p:style>
+          <a:lnRef idx="2">
+            <a:schemeClr val="accent1">
+              <a:shade val="50000"/>
+            </a:schemeClr>
+          </a:lnRef>
+          <a:fillRef idx="1">
+            <a:schemeClr val="accent1"/>
+          </a:fillRef>
+          <a:effectRef idx="0">
+            <a:schemeClr val="accent1"/>
+          </a:effectRef>
+          <a:fontRef idx="minor">
+            <a:schemeClr val="lt1"/>
+          </a:fontRef>
+        </p:style>
+        <p:txBody>
+          <a:bodyPr rtlCol="0" anchor="ctr"/>
+          <a:lstStyle/>
+          <a:p>
+            <a:pPr algn="ctr"/>
+            <a:endParaRPr lang="en-US"/>
+          </a:p>
+        </p:txBody>
+      </p:sp>
+      <p:sp>
+        <p:nvSpPr>
+          <p:cNvPr id="31" name="Right Arrow 30"/>
+          <p:cNvSpPr/>
+          <p:nvPr/>
+        </p:nvSpPr>
+        <p:spPr>
+          <a:xfrm rot="10800000">
+            <a:off x="3983899" y="5759116"/>
+            <a:ext cx="601580" cy="320842"/>
+          </a:xfrm>
+          <a:prstGeom prst="rightArrow">
+            <a:avLst/>
+          </a:prstGeom>
+          <a:solidFill>
+            <a:schemeClr val="accent6">
+              <a:lumMod val="75000"/>
+            </a:schemeClr>
+          </a:solidFill>
+        </p:spPr>
+        <p:style>
+          <a:lnRef idx="2">
+            <a:schemeClr val="accent1">
+              <a:shade val="50000"/>
+            </a:schemeClr>
+          </a:lnRef>
+          <a:fillRef idx="1">
+            <a:schemeClr val="accent1"/>
+          </a:fillRef>
+          <a:effectRef idx="0">
+            <a:schemeClr val="accent1"/>
+          </a:effectRef>
+          <a:fontRef idx="minor">
+            <a:schemeClr val="lt1"/>
+          </a:fontRef>
+        </p:style>
+        <p:txBody>
+          <a:bodyPr rtlCol="0" anchor="ctr"/>
+          <a:lstStyle/>
+          <a:p>
+            <a:pPr algn="ctr"/>
+            <a:endParaRPr lang="en-US"/>
           </a:p>
         </p:txBody>
       </p:sp>

--- a/prototype.pptx
+++ b/prototype.pptx
@@ -4689,7 +4689,7 @@
         <p:spPr>
           <a:xfrm>
             <a:off x="4042611" y="1627908"/>
-            <a:ext cx="4164928" cy="2554545"/>
+            <a:ext cx="4164928" cy="2246769"/>
           </a:xfrm>
           <a:prstGeom prst="rect">
             <a:avLst/>
@@ -4759,18 +4759,6 @@
                 <a:cs typeface="B Nazanin" panose="00000400000000000000" pitchFamily="2" charset="-78"/>
               </a:rPr>
               <a:t>مبلغ پرداختی:  200 تومن</a:t>
-            </a:r>
-          </a:p>
-          <a:p>
-            <a:pPr algn="ctr"/>
-            <a:r>
-              <a:rPr lang="fa-IR" sz="2000" dirty="0" smtClean="0">
-                <a:solidFill>
-                  <a:schemeClr val="bg1"/>
-                </a:solidFill>
-                <a:cs typeface="B Nazanin" panose="00000400000000000000" pitchFamily="2" charset="-78"/>
-              </a:rPr>
-              <a:t>موجودی: 500 تومن</a:t>
             </a:r>
           </a:p>
           <a:p>

--- a/prototype.pptx
+++ b/prototype.pptx
@@ -5,7 +5,7 @@
     <p:sldMasterId id="2147483648" r:id="rId1"/>
   </p:sldMasterIdLst>
   <p:notesMasterIdLst>
-    <p:notesMasterId r:id="rId12"/>
+    <p:notesMasterId r:id="rId13"/>
   </p:notesMasterIdLst>
   <p:sldIdLst>
     <p:sldId id="256" r:id="rId2"/>
@@ -18,6 +18,7 @@
     <p:sldId id="268" r:id="rId9"/>
     <p:sldId id="269" r:id="rId10"/>
     <p:sldId id="267" r:id="rId11"/>
+    <p:sldId id="270" r:id="rId12"/>
   </p:sldIdLst>
   <p:sldSz cx="12192000" cy="6858000"/>
   <p:notesSz cx="6858000" cy="9144000"/>
@@ -116,6 +117,11 @@
       </a:defRPr>
     </a:lvl9pPr>
   </p:defaultTextStyle>
+  <p:extLst>
+    <p:ext uri="{EFAFB233-063F-42B5-8137-9DF3F51BA10A}">
+      <p15:sldGuideLst xmlns:p15="http://schemas.microsoft.com/office/powerpoint/2012/main"/>
+    </p:ext>
+  </p:extLst>
 </p:presentation>
 </file>
 
@@ -201,7 +207,7 @@
           <a:p>
             <a:fld id="{4588F139-87C1-49F1-96C5-A793215272A4}" type="datetimeFigureOut">
               <a:rPr lang="en-US" smtClean="0"/>
-              <a:t>7/11/2016</a:t>
+              <a:t>7/16/2016</a:t>
             </a:fld>
             <a:endParaRPr lang="en-US"/>
           </a:p>
@@ -1159,6 +1165,90 @@
 </p:notes>
 </file>
 
+<file path=ppt/notesSlides/notesSlide9.xml><?xml version="1.0" encoding="utf-8"?>
+<p:notes xmlns:a="http://schemas.openxmlformats.org/drawingml/2006/main" xmlns:r="http://schemas.openxmlformats.org/officeDocument/2006/relationships" xmlns:p="http://schemas.openxmlformats.org/presentationml/2006/main">
+  <p:cSld>
+    <p:spTree>
+      <p:nvGrpSpPr>
+        <p:cNvPr id="1" name=""/>
+        <p:cNvGrpSpPr/>
+        <p:nvPr/>
+      </p:nvGrpSpPr>
+      <p:grpSpPr>
+        <a:xfrm>
+          <a:off x="0" y="0"/>
+          <a:ext cx="0" cy="0"/>
+          <a:chOff x="0" y="0"/>
+          <a:chExt cx="0" cy="0"/>
+        </a:xfrm>
+      </p:grpSpPr>
+      <p:sp>
+        <p:nvSpPr>
+          <p:cNvPr id="2" name="Slide Image Placeholder 1"/>
+          <p:cNvSpPr>
+            <a:spLocks noGrp="1" noRot="1" noChangeAspect="1"/>
+          </p:cNvSpPr>
+          <p:nvPr>
+            <p:ph type="sldImg"/>
+          </p:nvPr>
+        </p:nvSpPr>
+        <p:spPr/>
+      </p:sp>
+      <p:sp>
+        <p:nvSpPr>
+          <p:cNvPr id="3" name="Notes Placeholder 2"/>
+          <p:cNvSpPr>
+            <a:spLocks noGrp="1"/>
+          </p:cNvSpPr>
+          <p:nvPr>
+            <p:ph type="body" idx="1"/>
+          </p:nvPr>
+        </p:nvSpPr>
+        <p:spPr/>
+        <p:txBody>
+          <a:bodyPr/>
+          <a:lstStyle/>
+          <a:p>
+            <a:endParaRPr lang="en-US" dirty="0"/>
+          </a:p>
+        </p:txBody>
+      </p:sp>
+      <p:sp>
+        <p:nvSpPr>
+          <p:cNvPr id="4" name="Slide Number Placeholder 3"/>
+          <p:cNvSpPr>
+            <a:spLocks noGrp="1"/>
+          </p:cNvSpPr>
+          <p:nvPr>
+            <p:ph type="sldNum" sz="quarter" idx="10"/>
+          </p:nvPr>
+        </p:nvSpPr>
+        <p:spPr/>
+        <p:txBody>
+          <a:bodyPr/>
+          <a:lstStyle/>
+          <a:p>
+            <a:fld id="{6014D40E-1B0A-4D26-B80D-BFB682988276}" type="slidenum">
+              <a:rPr lang="en-US" smtClean="0"/>
+              <a:t>11</a:t>
+            </a:fld>
+            <a:endParaRPr lang="en-US"/>
+          </a:p>
+        </p:txBody>
+      </p:sp>
+    </p:spTree>
+    <p:extLst>
+      <p:ext uri="{BB962C8B-B14F-4D97-AF65-F5344CB8AC3E}">
+        <p14:creationId xmlns:p14="http://schemas.microsoft.com/office/powerpoint/2010/main" val="3879042566"/>
+      </p:ext>
+    </p:extLst>
+  </p:cSld>
+  <p:clrMapOvr>
+    <a:masterClrMapping/>
+  </p:clrMapOvr>
+</p:notes>
+</file>
+
 <file path=ppt/slideLayouts/slideLayout1.xml><?xml version="1.0" encoding="utf-8"?>
 <p:sldLayout xmlns:a="http://schemas.openxmlformats.org/drawingml/2006/main" xmlns:r="http://schemas.openxmlformats.org/officeDocument/2006/relationships" xmlns:p="http://schemas.openxmlformats.org/presentationml/2006/main" type="title" preserve="1">
   <p:cSld name="Title Slide">
@@ -1290,7 +1380,7 @@
           <a:p>
             <a:fld id="{450793FA-B95F-4E49-B567-22963507C663}" type="datetimeFigureOut">
               <a:rPr lang="en-US" smtClean="0"/>
-              <a:t>7/11/2016</a:t>
+              <a:t>7/16/2016</a:t>
             </a:fld>
             <a:endParaRPr lang="en-US"/>
           </a:p>
@@ -1460,7 +1550,7 @@
           <a:p>
             <a:fld id="{450793FA-B95F-4E49-B567-22963507C663}" type="datetimeFigureOut">
               <a:rPr lang="en-US" smtClean="0"/>
-              <a:t>7/11/2016</a:t>
+              <a:t>7/16/2016</a:t>
             </a:fld>
             <a:endParaRPr lang="en-US"/>
           </a:p>
@@ -1640,7 +1730,7 @@
           <a:p>
             <a:fld id="{450793FA-B95F-4E49-B567-22963507C663}" type="datetimeFigureOut">
               <a:rPr lang="en-US" smtClean="0"/>
-              <a:t>7/11/2016</a:t>
+              <a:t>7/16/2016</a:t>
             </a:fld>
             <a:endParaRPr lang="en-US"/>
           </a:p>
@@ -1810,7 +1900,7 @@
           <a:p>
             <a:fld id="{450793FA-B95F-4E49-B567-22963507C663}" type="datetimeFigureOut">
               <a:rPr lang="en-US" smtClean="0"/>
-              <a:t>7/11/2016</a:t>
+              <a:t>7/16/2016</a:t>
             </a:fld>
             <a:endParaRPr lang="en-US"/>
           </a:p>
@@ -2056,7 +2146,7 @@
           <a:p>
             <a:fld id="{450793FA-B95F-4E49-B567-22963507C663}" type="datetimeFigureOut">
               <a:rPr lang="en-US" smtClean="0"/>
-              <a:t>7/11/2016</a:t>
+              <a:t>7/16/2016</a:t>
             </a:fld>
             <a:endParaRPr lang="en-US"/>
           </a:p>
@@ -2288,7 +2378,7 @@
           <a:p>
             <a:fld id="{450793FA-B95F-4E49-B567-22963507C663}" type="datetimeFigureOut">
               <a:rPr lang="en-US" smtClean="0"/>
-              <a:t>7/11/2016</a:t>
+              <a:t>7/16/2016</a:t>
             </a:fld>
             <a:endParaRPr lang="en-US"/>
           </a:p>
@@ -2655,7 +2745,7 @@
           <a:p>
             <a:fld id="{450793FA-B95F-4E49-B567-22963507C663}" type="datetimeFigureOut">
               <a:rPr lang="en-US" smtClean="0"/>
-              <a:t>7/11/2016</a:t>
+              <a:t>7/16/2016</a:t>
             </a:fld>
             <a:endParaRPr lang="en-US"/>
           </a:p>
@@ -2773,7 +2863,7 @@
           <a:p>
             <a:fld id="{450793FA-B95F-4E49-B567-22963507C663}" type="datetimeFigureOut">
               <a:rPr lang="en-US" smtClean="0"/>
-              <a:t>7/11/2016</a:t>
+              <a:t>7/16/2016</a:t>
             </a:fld>
             <a:endParaRPr lang="en-US"/>
           </a:p>
@@ -2868,7 +2958,7 @@
           <a:p>
             <a:fld id="{450793FA-B95F-4E49-B567-22963507C663}" type="datetimeFigureOut">
               <a:rPr lang="en-US" smtClean="0"/>
-              <a:t>7/11/2016</a:t>
+              <a:t>7/16/2016</a:t>
             </a:fld>
             <a:endParaRPr lang="en-US"/>
           </a:p>
@@ -3145,7 +3235,7 @@
           <a:p>
             <a:fld id="{450793FA-B95F-4E49-B567-22963507C663}" type="datetimeFigureOut">
               <a:rPr lang="en-US" smtClean="0"/>
-              <a:t>7/11/2016</a:t>
+              <a:t>7/16/2016</a:t>
             </a:fld>
             <a:endParaRPr lang="en-US"/>
           </a:p>
@@ -3398,7 +3488,7 @@
           <a:p>
             <a:fld id="{450793FA-B95F-4E49-B567-22963507C663}" type="datetimeFigureOut">
               <a:rPr lang="en-US" smtClean="0"/>
-              <a:t>7/11/2016</a:t>
+              <a:t>7/16/2016</a:t>
             </a:fld>
             <a:endParaRPr lang="en-US"/>
           </a:p>
@@ -3611,7 +3701,7 @@
           <a:p>
             <a:fld id="{450793FA-B95F-4E49-B567-22963507C663}" type="datetimeFigureOut">
               <a:rPr lang="en-US" smtClean="0"/>
-              <a:t>7/11/2016</a:t>
+              <a:t>7/16/2016</a:t>
             </a:fld>
             <a:endParaRPr lang="en-US"/>
           </a:p>
@@ -5171,6 +5261,315 @@
 </p:sld>
 </file>
 
+<file path=ppt/slides/slide11.xml><?xml version="1.0" encoding="utf-8"?>
+<p:sld xmlns:a="http://schemas.openxmlformats.org/drawingml/2006/main" xmlns:r="http://schemas.openxmlformats.org/officeDocument/2006/relationships" xmlns:p="http://schemas.openxmlformats.org/presentationml/2006/main">
+  <p:cSld>
+    <p:spTree>
+      <p:nvGrpSpPr>
+        <p:cNvPr id="1" name=""/>
+        <p:cNvGrpSpPr/>
+        <p:nvPr/>
+      </p:nvGrpSpPr>
+      <p:grpSpPr>
+        <a:xfrm>
+          <a:off x="0" y="0"/>
+          <a:ext cx="0" cy="0"/>
+          <a:chOff x="0" y="0"/>
+          <a:chExt cx="0" cy="0"/>
+        </a:xfrm>
+      </p:grpSpPr>
+      <p:sp>
+        <p:nvSpPr>
+          <p:cNvPr id="8" name="Rectangle 7"/>
+          <p:cNvSpPr/>
+          <p:nvPr/>
+        </p:nvSpPr>
+        <p:spPr>
+          <a:xfrm>
+            <a:off x="3866147" y="0"/>
+            <a:ext cx="4684295" cy="6858000"/>
+          </a:xfrm>
+          <a:prstGeom prst="rect">
+            <a:avLst/>
+          </a:prstGeom>
+        </p:spPr>
+        <p:style>
+          <a:lnRef idx="2">
+            <a:schemeClr val="accent1">
+              <a:shade val="50000"/>
+            </a:schemeClr>
+          </a:lnRef>
+          <a:fillRef idx="1">
+            <a:schemeClr val="accent1"/>
+          </a:fillRef>
+          <a:effectRef idx="0">
+            <a:schemeClr val="accent1"/>
+          </a:effectRef>
+          <a:fontRef idx="minor">
+            <a:schemeClr val="lt1"/>
+          </a:fontRef>
+        </p:style>
+        <p:txBody>
+          <a:bodyPr rtlCol="0" anchor="ctr"/>
+          <a:lstStyle/>
+          <a:p>
+            <a:pPr algn="ctr"/>
+            <a:endParaRPr lang="en-US" dirty="0"/>
+          </a:p>
+        </p:txBody>
+      </p:sp>
+      <p:sp>
+        <p:nvSpPr>
+          <p:cNvPr id="9" name="Rectangle 8"/>
+          <p:cNvSpPr/>
+          <p:nvPr/>
+        </p:nvSpPr>
+        <p:spPr>
+          <a:xfrm>
+            <a:off x="3866146" y="0"/>
+            <a:ext cx="4684295" cy="1010653"/>
+          </a:xfrm>
+          <a:prstGeom prst="rect">
+            <a:avLst/>
+          </a:prstGeom>
+          <a:solidFill>
+            <a:schemeClr val="accent3">
+              <a:lumMod val="20000"/>
+              <a:lumOff val="80000"/>
+            </a:schemeClr>
+          </a:solidFill>
+        </p:spPr>
+        <p:style>
+          <a:lnRef idx="2">
+            <a:schemeClr val="accent1">
+              <a:shade val="50000"/>
+            </a:schemeClr>
+          </a:lnRef>
+          <a:fillRef idx="1">
+            <a:schemeClr val="accent1"/>
+          </a:fillRef>
+          <a:effectRef idx="0">
+            <a:schemeClr val="accent1"/>
+          </a:effectRef>
+          <a:fontRef idx="minor">
+            <a:schemeClr val="lt1"/>
+          </a:fontRef>
+        </p:style>
+        <p:txBody>
+          <a:bodyPr rtlCol="0" anchor="ctr"/>
+          <a:lstStyle/>
+          <a:p>
+            <a:pPr algn="ctr"/>
+            <a:endParaRPr lang="en-US"/>
+          </a:p>
+        </p:txBody>
+      </p:sp>
+      <p:sp>
+        <p:nvSpPr>
+          <p:cNvPr id="16" name="Right Arrow 15"/>
+          <p:cNvSpPr/>
+          <p:nvPr/>
+        </p:nvSpPr>
+        <p:spPr>
+          <a:xfrm rot="10800000">
+            <a:off x="4042611" y="316648"/>
+            <a:ext cx="513347" cy="377355"/>
+          </a:xfrm>
+          <a:prstGeom prst="rightArrow">
+            <a:avLst/>
+          </a:prstGeom>
+        </p:spPr>
+        <p:style>
+          <a:lnRef idx="2">
+            <a:schemeClr val="accent1">
+              <a:shade val="50000"/>
+            </a:schemeClr>
+          </a:lnRef>
+          <a:fillRef idx="1">
+            <a:schemeClr val="accent1"/>
+          </a:fillRef>
+          <a:effectRef idx="0">
+            <a:schemeClr val="accent1"/>
+          </a:effectRef>
+          <a:fontRef idx="minor">
+            <a:schemeClr val="lt1"/>
+          </a:fontRef>
+        </p:style>
+        <p:txBody>
+          <a:bodyPr rtlCol="0" anchor="ctr"/>
+          <a:lstStyle/>
+          <a:p>
+            <a:pPr algn="ctr"/>
+            <a:endParaRPr lang="en-US"/>
+          </a:p>
+        </p:txBody>
+      </p:sp>
+      <p:sp>
+        <p:nvSpPr>
+          <p:cNvPr id="2" name="Rectangle 1"/>
+          <p:cNvSpPr/>
+          <p:nvPr/>
+        </p:nvSpPr>
+        <p:spPr>
+          <a:xfrm>
+            <a:off x="5890738" y="324672"/>
+            <a:ext cx="1268296" cy="369332"/>
+          </a:xfrm>
+          <a:prstGeom prst="rect">
+            <a:avLst/>
+          </a:prstGeom>
+        </p:spPr>
+        <p:txBody>
+          <a:bodyPr wrap="none">
+            <a:spAutoFit/>
+          </a:bodyPr>
+          <a:lstStyle/>
+          <a:p>
+            <a:r>
+              <a:rPr lang="fa-IR" b="1" dirty="0" smtClean="0">
+                <a:cs typeface="B Nazanin" panose="00000400000000000000" pitchFamily="2" charset="-78"/>
+              </a:rPr>
+              <a:t>درخواست وام</a:t>
+            </a:r>
+            <a:endParaRPr lang="en-US" dirty="0"/>
+          </a:p>
+        </p:txBody>
+      </p:sp>
+      <p:sp>
+        <p:nvSpPr>
+          <p:cNvPr id="17" name="Rectangle 16"/>
+          <p:cNvSpPr/>
+          <p:nvPr/>
+        </p:nvSpPr>
+        <p:spPr>
+          <a:xfrm>
+            <a:off x="4319334" y="3440388"/>
+            <a:ext cx="3777917" cy="417095"/>
+          </a:xfrm>
+          <a:prstGeom prst="rect">
+            <a:avLst/>
+          </a:prstGeom>
+          <a:solidFill>
+            <a:schemeClr val="bg1"/>
+          </a:solidFill>
+        </p:spPr>
+        <p:style>
+          <a:lnRef idx="2">
+            <a:schemeClr val="accent1">
+              <a:shade val="50000"/>
+            </a:schemeClr>
+          </a:lnRef>
+          <a:fillRef idx="1">
+            <a:schemeClr val="accent1"/>
+          </a:fillRef>
+          <a:effectRef idx="0">
+            <a:schemeClr val="accent1"/>
+          </a:effectRef>
+          <a:fontRef idx="minor">
+            <a:schemeClr val="lt1"/>
+          </a:fontRef>
+        </p:style>
+        <p:txBody>
+          <a:bodyPr rtlCol="0" anchor="ctr"/>
+          <a:lstStyle/>
+          <a:p>
+            <a:pPr algn="ctr"/>
+            <a:r>
+              <a:rPr lang="fa-IR" dirty="0" smtClean="0">
+                <a:solidFill>
+                  <a:sysClr val="windowText" lastClr="000000"/>
+                </a:solidFill>
+              </a:rPr>
+              <a:t>مبلغ درخواستی وام</a:t>
+            </a:r>
+            <a:endParaRPr lang="en-US" dirty="0">
+              <a:solidFill>
+                <a:sysClr val="windowText" lastClr="000000"/>
+              </a:solidFill>
+            </a:endParaRPr>
+          </a:p>
+        </p:txBody>
+      </p:sp>
+      <p:sp>
+        <p:nvSpPr>
+          <p:cNvPr id="21" name="Rounded Rectangle 20"/>
+          <p:cNvSpPr/>
+          <p:nvPr/>
+        </p:nvSpPr>
+        <p:spPr>
+          <a:xfrm>
+            <a:off x="5560591" y="4611784"/>
+            <a:ext cx="1295402" cy="497305"/>
+          </a:xfrm>
+          <a:prstGeom prst="roundRect">
+            <a:avLst/>
+          </a:prstGeom>
+          <a:solidFill>
+            <a:schemeClr val="accent3">
+              <a:lumMod val="20000"/>
+              <a:lumOff val="80000"/>
+            </a:schemeClr>
+          </a:solidFill>
+        </p:spPr>
+        <p:style>
+          <a:lnRef idx="2">
+            <a:schemeClr val="accent1">
+              <a:shade val="50000"/>
+            </a:schemeClr>
+          </a:lnRef>
+          <a:fillRef idx="1">
+            <a:schemeClr val="accent1"/>
+          </a:fillRef>
+          <a:effectRef idx="0">
+            <a:schemeClr val="accent1"/>
+          </a:effectRef>
+          <a:fontRef idx="minor">
+            <a:schemeClr val="lt1"/>
+          </a:fontRef>
+        </p:style>
+        <p:txBody>
+          <a:bodyPr rtlCol="0" anchor="ctr"/>
+          <a:lstStyle/>
+          <a:p>
+            <a:pPr algn="ctr"/>
+            <a:r>
+              <a:rPr lang="fa-IR" sz="2000" dirty="0" smtClean="0">
+                <a:solidFill>
+                  <a:schemeClr val="tx1"/>
+                </a:solidFill>
+                <a:cs typeface="B Nazanin" panose="00000400000000000000" pitchFamily="2" charset="-78"/>
+              </a:rPr>
+              <a:t>ارسال</a:t>
+            </a:r>
+            <a:endParaRPr lang="en-US" sz="2000" dirty="0">
+              <a:solidFill>
+                <a:schemeClr val="tx1"/>
+              </a:solidFill>
+              <a:cs typeface="B Nazanin" panose="00000400000000000000" pitchFamily="2" charset="-78"/>
+            </a:endParaRPr>
+          </a:p>
+        </p:txBody>
+      </p:sp>
+    </p:spTree>
+    <p:extLst>
+      <p:ext uri="{BB962C8B-B14F-4D97-AF65-F5344CB8AC3E}">
+        <p14:creationId xmlns:p14="http://schemas.microsoft.com/office/powerpoint/2010/main" val="3430502036"/>
+      </p:ext>
+    </p:extLst>
+  </p:cSld>
+  <p:clrMapOvr>
+    <a:masterClrMapping/>
+  </p:clrMapOvr>
+  <p:timing>
+    <p:tnLst>
+      <p:par>
+        <p:cTn id="1" dur="indefinite" restart="never" nodeType="tmRoot"/>
+      </p:par>
+    </p:tnLst>
+  </p:timing>
+</p:sld>
+</file>
+
 <file path=ppt/slides/slide2.xml><?xml version="1.0" encoding="utf-8"?>
 <p:sld xmlns:a="http://schemas.openxmlformats.org/drawingml/2006/main" xmlns:r="http://schemas.openxmlformats.org/officeDocument/2006/relationships" xmlns:p="http://schemas.openxmlformats.org/presentationml/2006/main">
   <p:cSld>
@@ -7731,7 +8130,7 @@
         </p:nvSpPr>
         <p:spPr>
           <a:xfrm>
-            <a:off x="4300731" y="2221370"/>
+            <a:off x="4293260" y="2043389"/>
             <a:ext cx="3777917" cy="417095"/>
           </a:xfrm>
           <a:prstGeom prst="rect">
@@ -8207,7 +8606,7 @@
         </p:nvSpPr>
         <p:spPr>
           <a:xfrm>
-            <a:off x="4293261" y="2743203"/>
+            <a:off x="4300731" y="2519497"/>
             <a:ext cx="3777917" cy="417095"/>
           </a:xfrm>
           <a:prstGeom prst="rect">
@@ -8262,7 +8661,7 @@
         </p:nvSpPr>
         <p:spPr>
           <a:xfrm>
-            <a:off x="4300731" y="3306028"/>
+            <a:off x="4293259" y="2980105"/>
             <a:ext cx="3777917" cy="417095"/>
           </a:xfrm>
           <a:prstGeom prst="rect">
@@ -8532,6 +8931,61 @@
           <a:p>
             <a:pPr algn="ctr"/>
             <a:endParaRPr lang="en-US"/>
+          </a:p>
+        </p:txBody>
+      </p:sp>
+      <p:sp>
+        <p:nvSpPr>
+          <p:cNvPr id="42" name="Rectangle 41"/>
+          <p:cNvSpPr/>
+          <p:nvPr/>
+        </p:nvSpPr>
+        <p:spPr>
+          <a:xfrm>
+            <a:off x="4319334" y="3440388"/>
+            <a:ext cx="3777917" cy="417095"/>
+          </a:xfrm>
+          <a:prstGeom prst="rect">
+            <a:avLst/>
+          </a:prstGeom>
+          <a:solidFill>
+            <a:schemeClr val="bg1"/>
+          </a:solidFill>
+        </p:spPr>
+        <p:style>
+          <a:lnRef idx="2">
+            <a:schemeClr val="accent1">
+              <a:shade val="50000"/>
+            </a:schemeClr>
+          </a:lnRef>
+          <a:fillRef idx="1">
+            <a:schemeClr val="accent1"/>
+          </a:fillRef>
+          <a:effectRef idx="0">
+            <a:schemeClr val="accent1"/>
+          </a:effectRef>
+          <a:fontRef idx="minor">
+            <a:schemeClr val="lt1"/>
+          </a:fontRef>
+        </p:style>
+        <p:txBody>
+          <a:bodyPr rtlCol="0" anchor="ctr"/>
+          <a:lstStyle/>
+          <a:p>
+            <a:pPr algn="ctr"/>
+            <a:r>
+              <a:rPr lang="fa-IR" dirty="0" smtClean="0">
+                <a:solidFill>
+                  <a:sysClr val="windowText" lastClr="000000"/>
+                </a:solidFill>
+              </a:rPr>
+              <a:t>مبلغ پرداختی</a:t>
+            </a:r>
+            <a:endParaRPr lang="en-US" dirty="0">
+              <a:solidFill>
+                <a:sysClr val="windowText" lastClr="000000"/>
+              </a:solidFill>
+            </a:endParaRPr>
           </a:p>
         </p:txBody>
       </p:sp>
